--- a/宣道詩/(宣道詩91)我知所信是誰.pptx
+++ b/宣道詩/(宣道詩91)我知所信是誰.pptx
@@ -313,7 +313,7 @@
           <a:p>
             <a:fld id="{3D18440D-73A6-4284-860D-9AB8F0F2F29B}" type="datetimeFigureOut">
               <a:rPr lang="zh-TW" altLang="en-US" smtClean="0"/>
-              <a:t>2020/3/14</a:t>
+              <a:t>2020/5/23</a:t>
             </a:fld>
             <a:endParaRPr lang="zh-TW" altLang="en-US"/>
           </a:p>
@@ -483,7 +483,7 @@
           <a:p>
             <a:fld id="{3D18440D-73A6-4284-860D-9AB8F0F2F29B}" type="datetimeFigureOut">
               <a:rPr lang="zh-TW" altLang="en-US" smtClean="0"/>
-              <a:t>2020/3/14</a:t>
+              <a:t>2020/5/23</a:t>
             </a:fld>
             <a:endParaRPr lang="zh-TW" altLang="en-US"/>
           </a:p>
@@ -663,7 +663,7 @@
           <a:p>
             <a:fld id="{3D18440D-73A6-4284-860D-9AB8F0F2F29B}" type="datetimeFigureOut">
               <a:rPr lang="zh-TW" altLang="en-US" smtClean="0"/>
-              <a:t>2020/3/14</a:t>
+              <a:t>2020/5/23</a:t>
             </a:fld>
             <a:endParaRPr lang="zh-TW" altLang="en-US"/>
           </a:p>
@@ -833,7 +833,7 @@
           <a:p>
             <a:fld id="{3D18440D-73A6-4284-860D-9AB8F0F2F29B}" type="datetimeFigureOut">
               <a:rPr lang="zh-TW" altLang="en-US" smtClean="0"/>
-              <a:t>2020/3/14</a:t>
+              <a:t>2020/5/23</a:t>
             </a:fld>
             <a:endParaRPr lang="zh-TW" altLang="en-US"/>
           </a:p>
@@ -1079,7 +1079,7 @@
           <a:p>
             <a:fld id="{3D18440D-73A6-4284-860D-9AB8F0F2F29B}" type="datetimeFigureOut">
               <a:rPr lang="zh-TW" altLang="en-US" smtClean="0"/>
-              <a:t>2020/3/14</a:t>
+              <a:t>2020/5/23</a:t>
             </a:fld>
             <a:endParaRPr lang="zh-TW" altLang="en-US"/>
           </a:p>
@@ -1367,7 +1367,7 @@
           <a:p>
             <a:fld id="{3D18440D-73A6-4284-860D-9AB8F0F2F29B}" type="datetimeFigureOut">
               <a:rPr lang="zh-TW" altLang="en-US" smtClean="0"/>
-              <a:t>2020/3/14</a:t>
+              <a:t>2020/5/23</a:t>
             </a:fld>
             <a:endParaRPr lang="zh-TW" altLang="en-US"/>
           </a:p>
@@ -1789,7 +1789,7 @@
           <a:p>
             <a:fld id="{3D18440D-73A6-4284-860D-9AB8F0F2F29B}" type="datetimeFigureOut">
               <a:rPr lang="zh-TW" altLang="en-US" smtClean="0"/>
-              <a:t>2020/3/14</a:t>
+              <a:t>2020/5/23</a:t>
             </a:fld>
             <a:endParaRPr lang="zh-TW" altLang="en-US"/>
           </a:p>
@@ -1907,7 +1907,7 @@
           <a:p>
             <a:fld id="{3D18440D-73A6-4284-860D-9AB8F0F2F29B}" type="datetimeFigureOut">
               <a:rPr lang="zh-TW" altLang="en-US" smtClean="0"/>
-              <a:t>2020/3/14</a:t>
+              <a:t>2020/5/23</a:t>
             </a:fld>
             <a:endParaRPr lang="zh-TW" altLang="en-US"/>
           </a:p>
@@ -2002,7 +2002,7 @@
           <a:p>
             <a:fld id="{3D18440D-73A6-4284-860D-9AB8F0F2F29B}" type="datetimeFigureOut">
               <a:rPr lang="zh-TW" altLang="en-US" smtClean="0"/>
-              <a:t>2020/3/14</a:t>
+              <a:t>2020/5/23</a:t>
             </a:fld>
             <a:endParaRPr lang="zh-TW" altLang="en-US"/>
           </a:p>
@@ -2279,7 +2279,7 @@
           <a:p>
             <a:fld id="{3D18440D-73A6-4284-860D-9AB8F0F2F29B}" type="datetimeFigureOut">
               <a:rPr lang="zh-TW" altLang="en-US" smtClean="0"/>
-              <a:t>2020/3/14</a:t>
+              <a:t>2020/5/23</a:t>
             </a:fld>
             <a:endParaRPr lang="zh-TW" altLang="en-US"/>
           </a:p>
@@ -2536,7 +2536,7 @@
           <a:p>
             <a:fld id="{3D18440D-73A6-4284-860D-9AB8F0F2F29B}" type="datetimeFigureOut">
               <a:rPr lang="zh-TW" altLang="en-US" smtClean="0"/>
-              <a:t>2020/3/14</a:t>
+              <a:t>2020/5/23</a:t>
             </a:fld>
             <a:endParaRPr lang="zh-TW" altLang="en-US"/>
           </a:p>
@@ -2754,7 +2754,7 @@
           <a:p>
             <a:fld id="{3D18440D-73A6-4284-860D-9AB8F0F2F29B}" type="datetimeFigureOut">
               <a:rPr lang="zh-TW" altLang="en-US" smtClean="0"/>
-              <a:t>2020/3/14</a:t>
+              <a:t>2020/5/23</a:t>
             </a:fld>
             <a:endParaRPr lang="zh-TW" altLang="en-US"/>
           </a:p>

--- a/宣道詩/(宣道詩91)我知所信是誰.pptx
+++ b/宣道詩/(宣道詩91)我知所信是誰.pptx
@@ -5,16 +5,27 @@
     <p:sldMasterId id="2147483672" r:id="rId1"/>
   </p:sldMasterIdLst>
   <p:sldIdLst>
-    <p:sldId id="256" r:id="rId2"/>
-    <p:sldId id="261" r:id="rId3"/>
-    <p:sldId id="257" r:id="rId4"/>
-    <p:sldId id="262" r:id="rId5"/>
-    <p:sldId id="258" r:id="rId6"/>
-    <p:sldId id="263" r:id="rId7"/>
-    <p:sldId id="259" r:id="rId8"/>
-    <p:sldId id="264" r:id="rId9"/>
-    <p:sldId id="260" r:id="rId10"/>
-    <p:sldId id="265" r:id="rId11"/>
+    <p:sldId id="266" r:id="rId2"/>
+    <p:sldId id="267" r:id="rId3"/>
+    <p:sldId id="268" r:id="rId4"/>
+    <p:sldId id="269" r:id="rId5"/>
+    <p:sldId id="270" r:id="rId6"/>
+    <p:sldId id="271" r:id="rId7"/>
+    <p:sldId id="272" r:id="rId8"/>
+    <p:sldId id="273" r:id="rId9"/>
+    <p:sldId id="274" r:id="rId10"/>
+    <p:sldId id="275" r:id="rId11"/>
+    <p:sldId id="276" r:id="rId12"/>
+    <p:sldId id="277" r:id="rId13"/>
+    <p:sldId id="278" r:id="rId14"/>
+    <p:sldId id="279" r:id="rId15"/>
+    <p:sldId id="280" r:id="rId16"/>
+    <p:sldId id="281" r:id="rId17"/>
+    <p:sldId id="282" r:id="rId18"/>
+    <p:sldId id="283" r:id="rId19"/>
+    <p:sldId id="284" r:id="rId20"/>
+    <p:sldId id="285" r:id="rId21"/>
+    <p:sldId id="286" r:id="rId22"/>
   </p:sldIdLst>
   <p:sldSz cx="12192000" cy="6858000"/>
   <p:notesSz cx="6858000" cy="9144000"/>
@@ -313,7 +324,7 @@
           <a:p>
             <a:fld id="{3D18440D-73A6-4284-860D-9AB8F0F2F29B}" type="datetimeFigureOut">
               <a:rPr lang="zh-TW" altLang="en-US" smtClean="0"/>
-              <a:t>2020/5/23</a:t>
+              <a:t>2021/5/14</a:t>
             </a:fld>
             <a:endParaRPr lang="zh-TW" altLang="en-US"/>
           </a:p>
@@ -483,7 +494,7 @@
           <a:p>
             <a:fld id="{3D18440D-73A6-4284-860D-9AB8F0F2F29B}" type="datetimeFigureOut">
               <a:rPr lang="zh-TW" altLang="en-US" smtClean="0"/>
-              <a:t>2020/5/23</a:t>
+              <a:t>2021/5/14</a:t>
             </a:fld>
             <a:endParaRPr lang="zh-TW" altLang="en-US"/>
           </a:p>
@@ -663,7 +674,7 @@
           <a:p>
             <a:fld id="{3D18440D-73A6-4284-860D-9AB8F0F2F29B}" type="datetimeFigureOut">
               <a:rPr lang="zh-TW" altLang="en-US" smtClean="0"/>
-              <a:t>2020/5/23</a:t>
+              <a:t>2021/5/14</a:t>
             </a:fld>
             <a:endParaRPr lang="zh-TW" altLang="en-US"/>
           </a:p>
@@ -833,7 +844,7 @@
           <a:p>
             <a:fld id="{3D18440D-73A6-4284-860D-9AB8F0F2F29B}" type="datetimeFigureOut">
               <a:rPr lang="zh-TW" altLang="en-US" smtClean="0"/>
-              <a:t>2020/5/23</a:t>
+              <a:t>2021/5/14</a:t>
             </a:fld>
             <a:endParaRPr lang="zh-TW" altLang="en-US"/>
           </a:p>
@@ -1079,7 +1090,7 @@
           <a:p>
             <a:fld id="{3D18440D-73A6-4284-860D-9AB8F0F2F29B}" type="datetimeFigureOut">
               <a:rPr lang="zh-TW" altLang="en-US" smtClean="0"/>
-              <a:t>2020/5/23</a:t>
+              <a:t>2021/5/14</a:t>
             </a:fld>
             <a:endParaRPr lang="zh-TW" altLang="en-US"/>
           </a:p>
@@ -1367,7 +1378,7 @@
           <a:p>
             <a:fld id="{3D18440D-73A6-4284-860D-9AB8F0F2F29B}" type="datetimeFigureOut">
               <a:rPr lang="zh-TW" altLang="en-US" smtClean="0"/>
-              <a:t>2020/5/23</a:t>
+              <a:t>2021/5/14</a:t>
             </a:fld>
             <a:endParaRPr lang="zh-TW" altLang="en-US"/>
           </a:p>
@@ -1789,7 +1800,7 @@
           <a:p>
             <a:fld id="{3D18440D-73A6-4284-860D-9AB8F0F2F29B}" type="datetimeFigureOut">
               <a:rPr lang="zh-TW" altLang="en-US" smtClean="0"/>
-              <a:t>2020/5/23</a:t>
+              <a:t>2021/5/14</a:t>
             </a:fld>
             <a:endParaRPr lang="zh-TW" altLang="en-US"/>
           </a:p>
@@ -1907,7 +1918,7 @@
           <a:p>
             <a:fld id="{3D18440D-73A6-4284-860D-9AB8F0F2F29B}" type="datetimeFigureOut">
               <a:rPr lang="zh-TW" altLang="en-US" smtClean="0"/>
-              <a:t>2020/5/23</a:t>
+              <a:t>2021/5/14</a:t>
             </a:fld>
             <a:endParaRPr lang="zh-TW" altLang="en-US"/>
           </a:p>
@@ -2002,7 +2013,7 @@
           <a:p>
             <a:fld id="{3D18440D-73A6-4284-860D-9AB8F0F2F29B}" type="datetimeFigureOut">
               <a:rPr lang="zh-TW" altLang="en-US" smtClean="0"/>
-              <a:t>2020/5/23</a:t>
+              <a:t>2021/5/14</a:t>
             </a:fld>
             <a:endParaRPr lang="zh-TW" altLang="en-US"/>
           </a:p>
@@ -2279,7 +2290,7 @@
           <a:p>
             <a:fld id="{3D18440D-73A6-4284-860D-9AB8F0F2F29B}" type="datetimeFigureOut">
               <a:rPr lang="zh-TW" altLang="en-US" smtClean="0"/>
-              <a:t>2020/5/23</a:t>
+              <a:t>2021/5/14</a:t>
             </a:fld>
             <a:endParaRPr lang="zh-TW" altLang="en-US"/>
           </a:p>
@@ -2536,7 +2547,7 @@
           <a:p>
             <a:fld id="{3D18440D-73A6-4284-860D-9AB8F0F2F29B}" type="datetimeFigureOut">
               <a:rPr lang="zh-TW" altLang="en-US" smtClean="0"/>
-              <a:t>2020/5/23</a:t>
+              <a:t>2021/5/14</a:t>
             </a:fld>
             <a:endParaRPr lang="zh-TW" altLang="en-US"/>
           </a:p>
@@ -2754,7 +2765,7 @@
           <a:p>
             <a:fld id="{3D18440D-73A6-4284-860D-9AB8F0F2F29B}" type="datetimeFigureOut">
               <a:rPr lang="zh-TW" altLang="en-US" smtClean="0"/>
-              <a:t>2020/5/23</a:t>
+              <a:t>2021/5/14</a:t>
             </a:fld>
             <a:endParaRPr lang="zh-TW" altLang="en-US"/>
           </a:p>
@@ -3139,132 +3150,153 @@
             <p:ph type="title"/>
           </p:nvPr>
         </p:nvSpPr>
-        <p:spPr/>
-        <p:txBody>
-          <a:bodyPr>
-            <a:normAutofit/>
-          </a:bodyPr>
-          <a:lstStyle/>
-          <a:p>
-            <a:r>
-              <a:rPr lang="zh-CN" altLang="en-US" sz="5400" b="1" dirty="0" smtClean="0">
-                <a:latin typeface="Microsoft JhengHei" panose="020B0604030504040204" pitchFamily="34" charset="-120"/>
-                <a:ea typeface="Microsoft JhengHei" panose="020B0604030504040204" pitchFamily="34" charset="-120"/>
-              </a:rPr>
-              <a:t>我知所信是誰</a:t>
-            </a:r>
-            <a:endParaRPr lang="zh-TW" altLang="en-US" sz="5400" b="1" dirty="0">
-              <a:latin typeface="Microsoft JhengHei" panose="020B0604030504040204" pitchFamily="34" charset="-120"/>
-              <a:ea typeface="Microsoft JhengHei" panose="020B0604030504040204" pitchFamily="34" charset="-120"/>
-            </a:endParaRPr>
-          </a:p>
-        </p:txBody>
-      </p:sp>
-      <p:sp>
-        <p:nvSpPr>
-          <p:cNvPr id="5" name="內容版面配置區 4"/>
-          <p:cNvSpPr>
-            <a:spLocks noGrp="1"/>
-          </p:cNvSpPr>
-          <p:nvPr>
-            <p:ph idx="1"/>
-          </p:nvPr>
-        </p:nvSpPr>
-        <p:spPr/>
-        <p:txBody>
-          <a:bodyPr>
-            <a:normAutofit/>
-          </a:bodyPr>
-          <a:lstStyle/>
-          <a:p>
-            <a:pPr algn="ctr">
-              <a:buNone/>
-            </a:pPr>
-            <a:r>
-              <a:rPr lang="zh-TW" altLang="en-US" sz="6000" b="1" dirty="0">
-                <a:latin typeface="Microsoft JhengHei" panose="020B0604030504040204" pitchFamily="34" charset="-120"/>
-                <a:ea typeface="Microsoft JhengHei" panose="020B0604030504040204" pitchFamily="34" charset="-120"/>
-              </a:rPr>
-              <a:t>不知何以上主恩惠</a:t>
-            </a:r>
-          </a:p>
-          <a:p>
-            <a:pPr algn="ctr">
-              <a:buNone/>
-            </a:pPr>
-            <a:r>
-              <a:rPr lang="zh-TW" altLang="en-US" sz="6000" b="1" dirty="0">
-                <a:latin typeface="Microsoft JhengHei" panose="020B0604030504040204" pitchFamily="34" charset="-120"/>
-                <a:ea typeface="Microsoft JhengHei" panose="020B0604030504040204" pitchFamily="34" charset="-120"/>
-              </a:rPr>
-              <a:t>待我如此深厚</a:t>
-            </a:r>
-          </a:p>
-          <a:p>
-            <a:pPr algn="ctr">
-              <a:buNone/>
-            </a:pPr>
-            <a:r>
-              <a:rPr lang="zh-TW" altLang="en-US" sz="6000" b="1" dirty="0">
-                <a:latin typeface="Microsoft JhengHei" panose="020B0604030504040204" pitchFamily="34" charset="-120"/>
-                <a:ea typeface="Microsoft JhengHei" panose="020B0604030504040204" pitchFamily="34" charset="-120"/>
-              </a:rPr>
-              <a:t>不堪如我亦蒙選召</a:t>
-            </a:r>
-          </a:p>
-          <a:p>
-            <a:pPr algn="ctr">
-              <a:buNone/>
-            </a:pPr>
-            <a:r>
-              <a:rPr lang="zh-CN" altLang="en-US" sz="6000" b="1" dirty="0">
-                <a:latin typeface="Microsoft JhengHei" panose="020B0604030504040204" pitchFamily="34" charset="-120"/>
-                <a:ea typeface="Microsoft JhengHei" panose="020B0604030504040204" pitchFamily="34" charset="-120"/>
-              </a:rPr>
-              <a:t>主恩何等奇妙</a:t>
-            </a:r>
-            <a:endParaRPr lang="zh-TW" altLang="en-US" sz="6000" b="1" dirty="0">
-              <a:latin typeface="Microsoft JhengHei" panose="020B0604030504040204" pitchFamily="34" charset="-120"/>
-              <a:ea typeface="Microsoft JhengHei" panose="020B0604030504040204" pitchFamily="34" charset="-120"/>
-            </a:endParaRPr>
-          </a:p>
-        </p:txBody>
-      </p:sp>
-      <p:sp>
-        <p:nvSpPr>
-          <p:cNvPr id="2" name="TextBox 1"/>
-          <p:cNvSpPr txBox="1"/>
-          <p:nvPr/>
-        </p:nvSpPr>
         <p:spPr>
           <a:xfrm>
-            <a:off x="1559496" y="1600201"/>
-            <a:ext cx="936104" cy="1107996"/>
+            <a:off x="0" y="2660915"/>
+            <a:ext cx="12192000" cy="1143000"/>
           </a:xfrm>
-          <a:prstGeom prst="rect">
-            <a:avLst/>
-          </a:prstGeom>
-          <a:noFill/>
         </p:spPr>
         <p:txBody>
-          <a:bodyPr wrap="square" rtlCol="0">
-            <a:spAutoFit/>
+          <a:bodyPr>
+            <a:noAutofit/>
           </a:bodyPr>
           <a:lstStyle/>
           <a:p>
             <a:r>
-              <a:rPr lang="en-US" sz="6600" b="1" dirty="0" smtClean="0"/>
-              <a:t>1.</a:t>
-            </a:r>
-            <a:endParaRPr lang="vi-VN" sz="6600" b="1" dirty="0"/>
+              <a:rPr lang="zh-CN" altLang="en-US" sz="5333" b="1" u="sng" dirty="0">
+                <a:solidFill>
+                  <a:srgbClr val="660033"/>
+                </a:solidFill>
+                <a:effectLst>
+                  <a:outerShdw blurRad="38100" dist="38100" dir="2700000" algn="tl">
+                    <a:srgbClr val="000000">
+                      <a:alpha val="43137"/>
+                    </a:srgbClr>
+                  </a:outerShdw>
+                </a:effectLst>
+                <a:latin typeface="微軟正黑體" pitchFamily="34" charset="-120"/>
+                <a:ea typeface="微軟正黑體" pitchFamily="34" charset="-120"/>
+              </a:rPr>
+              <a:t>宣道詩 </a:t>
+            </a:r>
+            <a:r>
+              <a:rPr lang="en-US" altLang="zh-CN" sz="5333" b="1" u="sng" dirty="0">
+                <a:solidFill>
+                  <a:srgbClr val="660033"/>
+                </a:solidFill>
+                <a:effectLst>
+                  <a:outerShdw blurRad="38100" dist="38100" dir="2700000" algn="tl">
+                    <a:srgbClr val="000000">
+                      <a:alpha val="43137"/>
+                    </a:srgbClr>
+                  </a:outerShdw>
+                </a:effectLst>
+                <a:latin typeface="微軟正黑體" pitchFamily="34" charset="-120"/>
+                <a:ea typeface="微軟正黑體" pitchFamily="34" charset="-120"/>
+              </a:rPr>
+              <a:t>91</a:t>
+            </a:r>
+            <a:r>
+              <a:rPr lang="en-US" altLang="zh-CN" sz="7200" b="1" i="1" dirty="0">
+                <a:solidFill>
+                  <a:srgbClr val="660033"/>
+                </a:solidFill>
+                <a:effectLst>
+                  <a:outerShdw blurRad="38100" dist="38100" dir="2700000" algn="tl">
+                    <a:srgbClr val="000000">
+                      <a:alpha val="43137"/>
+                    </a:srgbClr>
+                  </a:outerShdw>
+                </a:effectLst>
+                <a:latin typeface="微軟正黑體" pitchFamily="34" charset="-120"/>
+                <a:ea typeface="微軟正黑體" pitchFamily="34" charset="-120"/>
+              </a:rPr>
+              <a:t/>
+            </a:r>
+            <a:br>
+              <a:rPr lang="en-US" altLang="zh-CN" sz="7200" b="1" i="1" dirty="0">
+                <a:solidFill>
+                  <a:srgbClr val="660033"/>
+                </a:solidFill>
+                <a:effectLst>
+                  <a:outerShdw blurRad="38100" dist="38100" dir="2700000" algn="tl">
+                    <a:srgbClr val="000000">
+                      <a:alpha val="43137"/>
+                    </a:srgbClr>
+                  </a:outerShdw>
+                </a:effectLst>
+                <a:latin typeface="微軟正黑體" pitchFamily="34" charset="-120"/>
+                <a:ea typeface="微軟正黑體" pitchFamily="34" charset="-120"/>
+              </a:rPr>
+            </a:br>
+            <a:r>
+              <a:rPr lang="zh-CN" altLang="en-US" sz="8000" b="1" dirty="0">
+                <a:solidFill>
+                  <a:srgbClr val="000066"/>
+                </a:solidFill>
+                <a:effectLst>
+                  <a:outerShdw blurRad="38100" dist="38100" dir="2700000" algn="tl">
+                    <a:srgbClr val="000000">
+                      <a:alpha val="43137"/>
+                    </a:srgbClr>
+                  </a:outerShdw>
+                </a:effectLst>
+                <a:latin typeface="微軟正黑體" pitchFamily="34" charset="-120"/>
+                <a:ea typeface="微軟正黑體" pitchFamily="34" charset="-120"/>
+              </a:rPr>
+              <a:t>我</a:t>
+            </a:r>
+            <a:r>
+              <a:rPr lang="zh-CN" altLang="en-US" sz="8000" b="1" dirty="0">
+                <a:solidFill>
+                  <a:srgbClr val="000066"/>
+                </a:solidFill>
+                <a:effectLst>
+                  <a:outerShdw blurRad="38100" dist="38100" dir="2700000" algn="tl">
+                    <a:srgbClr val="000000">
+                      <a:alpha val="43137"/>
+                    </a:srgbClr>
+                  </a:outerShdw>
+                </a:effectLst>
+                <a:latin typeface="微軟正黑體" pitchFamily="34" charset="-120"/>
+                <a:ea typeface="微軟正黑體" pitchFamily="34" charset="-120"/>
+              </a:rPr>
+              <a:t>知所信是誰</a:t>
+            </a:r>
+            <a:endParaRPr lang="zh-TW" altLang="en-US" sz="8000" b="1" dirty="0">
+              <a:solidFill>
+                <a:srgbClr val="000066"/>
+              </a:solidFill>
+              <a:effectLst>
+                <a:outerShdw blurRad="38100" dist="38100" dir="2700000" algn="tl">
+                  <a:srgbClr val="000000">
+                    <a:alpha val="43137"/>
+                  </a:srgbClr>
+                </a:outerShdw>
+              </a:effectLst>
+              <a:latin typeface="微軟正黑體" pitchFamily="34" charset="-120"/>
+              <a:ea typeface="微軟正黑體" pitchFamily="34" charset="-120"/>
+            </a:endParaRPr>
           </a:p>
         </p:txBody>
       </p:sp>
     </p:spTree>
+    <p:extLst>
+      <p:ext uri="{BB962C8B-B14F-4D97-AF65-F5344CB8AC3E}">
+        <p14:creationId xmlns:p14="http://schemas.microsoft.com/office/powerpoint/2010/main" val="3408353817"/>
+      </p:ext>
+    </p:extLst>
   </p:cSld>
   <p:clrMapOvr>
     <a:masterClrMapping/>
   </p:clrMapOvr>
+  <p:timing>
+    <p:tnLst>
+      <p:par>
+        <p:cTn id="1" dur="indefinite" restart="never" nodeType="tmRoot"/>
+      </p:par>
+    </p:tnLst>
+  </p:timing>
 </p:sld>
 </file>
 
@@ -3287,29 +3319,58 @@
       </p:grpSpPr>
       <p:sp>
         <p:nvSpPr>
-          <p:cNvPr id="4" name="標題 3"/>
-          <p:cNvSpPr>
-            <a:spLocks noGrp="1"/>
-          </p:cNvSpPr>
-          <p:nvPr>
-            <p:ph type="title"/>
-          </p:nvPr>
-        </p:nvSpPr>
-        <p:spPr/>
-        <p:txBody>
-          <a:bodyPr>
+          <p:cNvPr id="5" name="內容版面配置區 4"/>
+          <p:cNvSpPr>
+            <a:spLocks noGrp="1"/>
+          </p:cNvSpPr>
+          <p:nvPr>
+            <p:ph idx="1"/>
+          </p:nvPr>
+        </p:nvSpPr>
+        <p:spPr>
+          <a:xfrm>
+            <a:off x="0" y="2084851"/>
+            <a:ext cx="12192000" cy="2404863"/>
+          </a:xfrm>
+        </p:spPr>
+        <p:txBody>
+          <a:bodyPr anchor="ctr">
             <a:normAutofit/>
           </a:bodyPr>
           <a:lstStyle/>
           <a:p>
-            <a:r>
-              <a:rPr lang="zh-CN" altLang="en-US" sz="5400" b="1" dirty="0">
+            <a:pPr algn="ctr">
+              <a:buNone/>
+            </a:pPr>
+            <a:r>
+              <a:rPr lang="zh-TW" altLang="en-US" sz="6400" b="1" dirty="0">
+                <a:solidFill>
+                  <a:srgbClr val="000066"/>
+                </a:solidFill>
                 <a:latin typeface="Microsoft JhengHei" panose="020B0604030504040204" pitchFamily="34" charset="-120"/>
                 <a:ea typeface="Microsoft JhengHei" panose="020B0604030504040204" pitchFamily="34" charset="-120"/>
               </a:rPr>
-              <a:t>我知所信是誰</a:t>
-            </a:r>
-            <a:endParaRPr lang="zh-TW" altLang="en-US" sz="5400" b="1" dirty="0">
+              <a:t>不知如何聖靈感動</a:t>
+            </a:r>
+          </a:p>
+          <a:p>
+            <a:pPr algn="ctr">
+              <a:buNone/>
+            </a:pPr>
+            <a:r>
+              <a:rPr lang="zh-TW" altLang="en-US" sz="6400" b="1" dirty="0">
+                <a:solidFill>
+                  <a:srgbClr val="000066"/>
+                </a:solidFill>
+                <a:latin typeface="Microsoft JhengHei" panose="020B0604030504040204" pitchFamily="34" charset="-120"/>
+                <a:ea typeface="Microsoft JhengHei" panose="020B0604030504040204" pitchFamily="34" charset="-120"/>
+              </a:rPr>
+              <a:t>使人知己罪污</a:t>
+            </a:r>
+            <a:endParaRPr lang="zh-TW" altLang="en-US" sz="6400" b="1" dirty="0">
+              <a:solidFill>
+                <a:srgbClr val="000066"/>
+              </a:solidFill>
               <a:latin typeface="Microsoft JhengHei" panose="020B0604030504040204" pitchFamily="34" charset="-120"/>
               <a:ea typeface="Microsoft JhengHei" panose="020B0604030504040204" pitchFamily="34" charset="-120"/>
             </a:endParaRPr>
@@ -3318,6 +3379,82 @@
       </p:sp>
       <p:sp>
         <p:nvSpPr>
+          <p:cNvPr id="3" name="TextBox 2"/>
+          <p:cNvSpPr txBox="1"/>
+          <p:nvPr/>
+        </p:nvSpPr>
+        <p:spPr>
+          <a:xfrm>
+            <a:off x="0" y="5076570"/>
+            <a:ext cx="12192000" cy="830997"/>
+          </a:xfrm>
+          <a:prstGeom prst="rect">
+            <a:avLst/>
+          </a:prstGeom>
+          <a:noFill/>
+        </p:spPr>
+        <p:txBody>
+          <a:bodyPr wrap="square" rtlCol="0" anchor="ctr">
+            <a:spAutoFit/>
+          </a:bodyPr>
+          <a:lstStyle/>
+          <a:p>
+            <a:pPr algn="ctr"/>
+            <a:r>
+              <a:rPr lang="en-US" sz="4800" b="1" dirty="0">
+                <a:solidFill>
+                  <a:srgbClr val="000066"/>
+                </a:solidFill>
+              </a:rPr>
+              <a:t>( 3 )</a:t>
+            </a:r>
+            <a:endParaRPr lang="vi-VN" sz="4800" b="1" dirty="0">
+              <a:solidFill>
+                <a:srgbClr val="000066"/>
+              </a:solidFill>
+            </a:endParaRPr>
+          </a:p>
+        </p:txBody>
+      </p:sp>
+    </p:spTree>
+    <p:extLst>
+      <p:ext uri="{BB962C8B-B14F-4D97-AF65-F5344CB8AC3E}">
+        <p14:creationId xmlns:p14="http://schemas.microsoft.com/office/powerpoint/2010/main" val="200685971"/>
+      </p:ext>
+    </p:extLst>
+  </p:cSld>
+  <p:clrMapOvr>
+    <a:masterClrMapping/>
+  </p:clrMapOvr>
+  <p:timing>
+    <p:tnLst>
+      <p:par>
+        <p:cTn id="1" dur="indefinite" restart="never" nodeType="tmRoot"/>
+      </p:par>
+    </p:tnLst>
+  </p:timing>
+</p:sld>
+</file>
+
+<file path=ppt/slides/slide11.xml><?xml version="1.0" encoding="utf-8"?>
+<p:sld xmlns:a="http://schemas.openxmlformats.org/drawingml/2006/main" xmlns:r="http://schemas.openxmlformats.org/officeDocument/2006/relationships" xmlns:p="http://schemas.openxmlformats.org/presentationml/2006/main">
+  <p:cSld>
+    <p:spTree>
+      <p:nvGrpSpPr>
+        <p:cNvPr id="1" name=""/>
+        <p:cNvGrpSpPr/>
+        <p:nvPr/>
+      </p:nvGrpSpPr>
+      <p:grpSpPr>
+        <a:xfrm>
+          <a:off x="0" y="0"/>
+          <a:ext cx="0" cy="0"/>
+          <a:chOff x="0" y="0"/>
+          <a:chExt cx="0" cy="0"/>
+        </a:xfrm>
+      </p:grpSpPr>
+      <p:sp>
+        <p:nvSpPr>
           <p:cNvPr id="5" name="內容版面配置區 4"/>
           <p:cNvSpPr>
             <a:spLocks noGrp="1"/>
@@ -3326,9 +3463,14 @@
             <p:ph idx="1"/>
           </p:nvPr>
         </p:nvSpPr>
-        <p:spPr/>
-        <p:txBody>
-          <a:bodyPr>
+        <p:spPr>
+          <a:xfrm>
+            <a:off x="0" y="2084851"/>
+            <a:ext cx="12192000" cy="2404863"/>
+          </a:xfrm>
+        </p:spPr>
+        <p:txBody>
+          <a:bodyPr anchor="ctr">
             <a:normAutofit/>
           </a:bodyPr>
           <a:lstStyle/>
@@ -3337,7 +3479,146 @@
               <a:buNone/>
             </a:pPr>
             <a:r>
-              <a:rPr lang="zh-TW" altLang="en-US" sz="6000" b="1" dirty="0">
+              <a:rPr lang="zh-TW" altLang="en-US" sz="6400" b="1" dirty="0">
+                <a:solidFill>
+                  <a:srgbClr val="000066"/>
+                </a:solidFill>
+                <a:latin typeface="Microsoft JhengHei" panose="020B0604030504040204" pitchFamily="34" charset="-120"/>
+                <a:ea typeface="Microsoft JhengHei" panose="020B0604030504040204" pitchFamily="34" charset="-120"/>
+              </a:rPr>
+              <a:t>由聖經中顯明耶穌</a:t>
+            </a:r>
+          </a:p>
+          <a:p>
+            <a:pPr algn="ctr">
+              <a:buNone/>
+            </a:pPr>
+            <a:r>
+              <a:rPr lang="zh-TW" altLang="en-US" sz="6400" b="1" dirty="0">
+                <a:solidFill>
+                  <a:srgbClr val="000066"/>
+                </a:solidFill>
+                <a:latin typeface="Microsoft JhengHei" panose="020B0604030504040204" pitchFamily="34" charset="-120"/>
+                <a:ea typeface="Microsoft JhengHei" panose="020B0604030504040204" pitchFamily="34" charset="-120"/>
+              </a:rPr>
+              <a:t>引人信靠救主</a:t>
+            </a:r>
+            <a:endParaRPr lang="zh-TW" altLang="en-US" sz="6400" b="1" dirty="0">
+              <a:solidFill>
+                <a:srgbClr val="000066"/>
+              </a:solidFill>
+              <a:latin typeface="Microsoft JhengHei" panose="020B0604030504040204" pitchFamily="34" charset="-120"/>
+              <a:ea typeface="Microsoft JhengHei" panose="020B0604030504040204" pitchFamily="34" charset="-120"/>
+            </a:endParaRPr>
+          </a:p>
+        </p:txBody>
+      </p:sp>
+      <p:sp>
+        <p:nvSpPr>
+          <p:cNvPr id="3" name="TextBox 2"/>
+          <p:cNvSpPr txBox="1"/>
+          <p:nvPr/>
+        </p:nvSpPr>
+        <p:spPr>
+          <a:xfrm>
+            <a:off x="0" y="5076570"/>
+            <a:ext cx="12192000" cy="830997"/>
+          </a:xfrm>
+          <a:prstGeom prst="rect">
+            <a:avLst/>
+          </a:prstGeom>
+          <a:noFill/>
+        </p:spPr>
+        <p:txBody>
+          <a:bodyPr wrap="square" rtlCol="0" anchor="ctr">
+            <a:spAutoFit/>
+          </a:bodyPr>
+          <a:lstStyle/>
+          <a:p>
+            <a:pPr algn="ctr"/>
+            <a:r>
+              <a:rPr lang="en-US" sz="4800" b="1" dirty="0">
+                <a:solidFill>
+                  <a:srgbClr val="000066"/>
+                </a:solidFill>
+              </a:rPr>
+              <a:t>( 3 )</a:t>
+            </a:r>
+            <a:endParaRPr lang="vi-VN" sz="4800" b="1" dirty="0">
+              <a:solidFill>
+                <a:srgbClr val="000066"/>
+              </a:solidFill>
+            </a:endParaRPr>
+          </a:p>
+        </p:txBody>
+      </p:sp>
+    </p:spTree>
+    <p:extLst>
+      <p:ext uri="{BB962C8B-B14F-4D97-AF65-F5344CB8AC3E}">
+        <p14:creationId xmlns:p14="http://schemas.microsoft.com/office/powerpoint/2010/main" val="1078537436"/>
+      </p:ext>
+    </p:extLst>
+  </p:cSld>
+  <p:clrMapOvr>
+    <a:masterClrMapping/>
+  </p:clrMapOvr>
+  <p:timing>
+    <p:tnLst>
+      <p:par>
+        <p:cTn id="1" dur="indefinite" restart="never" nodeType="tmRoot"/>
+      </p:par>
+    </p:tnLst>
+  </p:timing>
+</p:sld>
+</file>
+
+<file path=ppt/slides/slide12.xml><?xml version="1.0" encoding="utf-8"?>
+<p:sld xmlns:a="http://schemas.openxmlformats.org/drawingml/2006/main" xmlns:r="http://schemas.openxmlformats.org/officeDocument/2006/relationships" xmlns:p="http://schemas.openxmlformats.org/presentationml/2006/main">
+  <p:cSld>
+    <p:spTree>
+      <p:nvGrpSpPr>
+        <p:cNvPr id="1" name=""/>
+        <p:cNvGrpSpPr/>
+        <p:nvPr/>
+      </p:nvGrpSpPr>
+      <p:grpSpPr>
+        <a:xfrm>
+          <a:off x="0" y="0"/>
+          <a:ext cx="0" cy="0"/>
+          <a:chOff x="0" y="0"/>
+          <a:chExt cx="0" cy="0"/>
+        </a:xfrm>
+      </p:grpSpPr>
+      <p:sp>
+        <p:nvSpPr>
+          <p:cNvPr id="5" name="內容版面配置區 4"/>
+          <p:cNvSpPr>
+            <a:spLocks noGrp="1"/>
+          </p:cNvSpPr>
+          <p:nvPr>
+            <p:ph idx="1"/>
+          </p:nvPr>
+        </p:nvSpPr>
+        <p:spPr>
+          <a:xfrm>
+            <a:off x="0" y="2084851"/>
+            <a:ext cx="12192000" cy="2404863"/>
+          </a:xfrm>
+        </p:spPr>
+        <p:txBody>
+          <a:bodyPr anchor="ctr">
+            <a:normAutofit/>
+          </a:bodyPr>
+          <a:lstStyle/>
+          <a:p>
+            <a:pPr algn="ctr">
+              <a:buNone/>
+            </a:pPr>
+            <a:r>
+              <a:rPr lang="zh-TW" altLang="en-US" sz="6400" b="1" dirty="0">
+                <a:solidFill>
+                  <a:srgbClr val="000066"/>
+                </a:solidFill>
                 <a:latin typeface="Microsoft JhengHei" panose="020B0604030504040204" pitchFamily="34" charset="-120"/>
                 <a:ea typeface="Microsoft JhengHei" panose="020B0604030504040204" pitchFamily="34" charset="-120"/>
               </a:rPr>
@@ -3349,19 +3630,92 @@
               <a:buNone/>
             </a:pPr>
             <a:r>
-              <a:rPr lang="zh-TW" altLang="en-US" sz="6000" b="1" dirty="0">
+              <a:rPr lang="zh-TW" altLang="en-US" sz="6400" b="1" dirty="0">
+                <a:solidFill>
+                  <a:srgbClr val="000066"/>
+                </a:solidFill>
                 <a:latin typeface="Microsoft JhengHei" panose="020B0604030504040204" pitchFamily="34" charset="-120"/>
                 <a:ea typeface="Microsoft JhengHei" panose="020B0604030504040204" pitchFamily="34" charset="-120"/>
               </a:rPr>
               <a:t>也深信主能保守我交付</a:t>
             </a:r>
-          </a:p>
+            <a:endParaRPr lang="zh-TW" altLang="en-US" sz="6400" b="1" dirty="0">
+              <a:solidFill>
+                <a:srgbClr val="000066"/>
+              </a:solidFill>
+              <a:latin typeface="Microsoft JhengHei" panose="020B0604030504040204" pitchFamily="34" charset="-120"/>
+              <a:ea typeface="Microsoft JhengHei" panose="020B0604030504040204" pitchFamily="34" charset="-120"/>
+            </a:endParaRPr>
+          </a:p>
+        </p:txBody>
+      </p:sp>
+    </p:spTree>
+    <p:extLst>
+      <p:ext uri="{BB962C8B-B14F-4D97-AF65-F5344CB8AC3E}">
+        <p14:creationId xmlns:p14="http://schemas.microsoft.com/office/powerpoint/2010/main" val="2898323622"/>
+      </p:ext>
+    </p:extLst>
+  </p:cSld>
+  <p:clrMapOvr>
+    <a:masterClrMapping/>
+  </p:clrMapOvr>
+  <p:timing>
+    <p:tnLst>
+      <p:par>
+        <p:cTn id="1" dur="indefinite" restart="never" nodeType="tmRoot"/>
+      </p:par>
+    </p:tnLst>
+  </p:timing>
+</p:sld>
+</file>
+
+<file path=ppt/slides/slide13.xml><?xml version="1.0" encoding="utf-8"?>
+<p:sld xmlns:a="http://schemas.openxmlformats.org/drawingml/2006/main" xmlns:r="http://schemas.openxmlformats.org/officeDocument/2006/relationships" xmlns:p="http://schemas.openxmlformats.org/presentationml/2006/main">
+  <p:cSld>
+    <p:spTree>
+      <p:nvGrpSpPr>
+        <p:cNvPr id="1" name=""/>
+        <p:cNvGrpSpPr/>
+        <p:nvPr/>
+      </p:nvGrpSpPr>
+      <p:grpSpPr>
+        <a:xfrm>
+          <a:off x="0" y="0"/>
+          <a:ext cx="0" cy="0"/>
+          <a:chOff x="0" y="0"/>
+          <a:chExt cx="0" cy="0"/>
+        </a:xfrm>
+      </p:grpSpPr>
+      <p:sp>
+        <p:nvSpPr>
+          <p:cNvPr id="5" name="內容版面配置區 4"/>
+          <p:cNvSpPr>
+            <a:spLocks noGrp="1"/>
+          </p:cNvSpPr>
+          <p:nvPr>
+            <p:ph idx="1"/>
+          </p:nvPr>
+        </p:nvSpPr>
+        <p:spPr>
+          <a:xfrm>
+            <a:off x="0" y="2084851"/>
+            <a:ext cx="12192000" cy="2404863"/>
+          </a:xfrm>
+        </p:spPr>
+        <p:txBody>
+          <a:bodyPr anchor="ctr">
+            <a:normAutofit/>
+          </a:bodyPr>
+          <a:lstStyle/>
           <a:p>
             <a:pPr algn="ctr">
               <a:buNone/>
             </a:pPr>
             <a:r>
-              <a:rPr lang="zh-TW" altLang="en-US" sz="6000" b="1" dirty="0">
+              <a:rPr lang="zh-TW" altLang="en-US" sz="6400" b="1" dirty="0">
+                <a:solidFill>
+                  <a:srgbClr val="000066"/>
+                </a:solidFill>
                 <a:latin typeface="Microsoft JhengHei" panose="020B0604030504040204" pitchFamily="34" charset="-120"/>
                 <a:ea typeface="Microsoft JhengHei" panose="020B0604030504040204" pitchFamily="34" charset="-120"/>
               </a:rPr>
@@ -3373,20 +3727,787 @@
               <a:buNone/>
             </a:pPr>
             <a:r>
-              <a:rPr lang="zh-TW" altLang="en-US" sz="6000" b="1" dirty="0">
+              <a:rPr lang="zh-TW" altLang="en-US" sz="6400" b="1" dirty="0">
+                <a:solidFill>
+                  <a:srgbClr val="000066"/>
+                </a:solidFill>
                 <a:latin typeface="Microsoft JhengHei" panose="020B0604030504040204" pitchFamily="34" charset="-120"/>
                 <a:ea typeface="Microsoft JhengHei" panose="020B0604030504040204" pitchFamily="34" charset="-120"/>
               </a:rPr>
               <a:t>都全備直到那日</a:t>
             </a:r>
+            <a:endParaRPr lang="zh-TW" altLang="en-US" sz="6400" b="1" dirty="0">
+              <a:solidFill>
+                <a:srgbClr val="000066"/>
+              </a:solidFill>
+              <a:latin typeface="Microsoft JhengHei" panose="020B0604030504040204" pitchFamily="34" charset="-120"/>
+              <a:ea typeface="Microsoft JhengHei" panose="020B0604030504040204" pitchFamily="34" charset="-120"/>
+            </a:endParaRPr>
           </a:p>
         </p:txBody>
       </p:sp>
     </p:spTree>
+    <p:extLst>
+      <p:ext uri="{BB962C8B-B14F-4D97-AF65-F5344CB8AC3E}">
+        <p14:creationId xmlns:p14="http://schemas.microsoft.com/office/powerpoint/2010/main" val="1010065878"/>
+      </p:ext>
+    </p:extLst>
   </p:cSld>
   <p:clrMapOvr>
     <a:masterClrMapping/>
   </p:clrMapOvr>
+  <p:timing>
+    <p:tnLst>
+      <p:par>
+        <p:cTn id="1" dur="indefinite" restart="never" nodeType="tmRoot"/>
+      </p:par>
+    </p:tnLst>
+  </p:timing>
+</p:sld>
+</file>
+
+<file path=ppt/slides/slide14.xml><?xml version="1.0" encoding="utf-8"?>
+<p:sld xmlns:a="http://schemas.openxmlformats.org/drawingml/2006/main" xmlns:r="http://schemas.openxmlformats.org/officeDocument/2006/relationships" xmlns:p="http://schemas.openxmlformats.org/presentationml/2006/main">
+  <p:cSld>
+    <p:spTree>
+      <p:nvGrpSpPr>
+        <p:cNvPr id="1" name=""/>
+        <p:cNvGrpSpPr/>
+        <p:nvPr/>
+      </p:nvGrpSpPr>
+      <p:grpSpPr>
+        <a:xfrm>
+          <a:off x="0" y="0"/>
+          <a:ext cx="0" cy="0"/>
+          <a:chOff x="0" y="0"/>
+          <a:chExt cx="0" cy="0"/>
+        </a:xfrm>
+      </p:grpSpPr>
+      <p:sp>
+        <p:nvSpPr>
+          <p:cNvPr id="5" name="內容版面配置區 4"/>
+          <p:cNvSpPr>
+            <a:spLocks noGrp="1"/>
+          </p:cNvSpPr>
+          <p:nvPr>
+            <p:ph idx="1"/>
+          </p:nvPr>
+        </p:nvSpPr>
+        <p:spPr>
+          <a:xfrm>
+            <a:off x="0" y="2084851"/>
+            <a:ext cx="12192000" cy="2404863"/>
+          </a:xfrm>
+        </p:spPr>
+        <p:txBody>
+          <a:bodyPr anchor="ctr">
+            <a:normAutofit/>
+          </a:bodyPr>
+          <a:lstStyle/>
+          <a:p>
+            <a:pPr algn="ctr">
+              <a:buNone/>
+            </a:pPr>
+            <a:r>
+              <a:rPr lang="zh-TW" altLang="en-US" sz="6400" b="1" dirty="0">
+                <a:solidFill>
+                  <a:srgbClr val="000066"/>
+                </a:solidFill>
+                <a:latin typeface="Microsoft JhengHei" panose="020B0604030504040204" pitchFamily="34" charset="-120"/>
+                <a:ea typeface="Microsoft JhengHei" panose="020B0604030504040204" pitchFamily="34" charset="-120"/>
+              </a:rPr>
+              <a:t>不知明日將遇何事</a:t>
+            </a:r>
+          </a:p>
+          <a:p>
+            <a:pPr algn="ctr">
+              <a:buNone/>
+            </a:pPr>
+            <a:r>
+              <a:rPr lang="zh-TW" altLang="en-US" sz="6400" b="1" dirty="0">
+                <a:solidFill>
+                  <a:srgbClr val="000066"/>
+                </a:solidFill>
+                <a:latin typeface="Microsoft JhengHei" panose="020B0604030504040204" pitchFamily="34" charset="-120"/>
+                <a:ea typeface="Microsoft JhengHei" panose="020B0604030504040204" pitchFamily="34" charset="-120"/>
+              </a:rPr>
+              <a:t>前途或順或逆</a:t>
+            </a:r>
+            <a:endParaRPr lang="zh-TW" altLang="en-US" sz="6400" b="1" dirty="0">
+              <a:solidFill>
+                <a:srgbClr val="000066"/>
+              </a:solidFill>
+              <a:latin typeface="Microsoft JhengHei" panose="020B0604030504040204" pitchFamily="34" charset="-120"/>
+              <a:ea typeface="Microsoft JhengHei" panose="020B0604030504040204" pitchFamily="34" charset="-120"/>
+            </a:endParaRPr>
+          </a:p>
+        </p:txBody>
+      </p:sp>
+      <p:sp>
+        <p:nvSpPr>
+          <p:cNvPr id="3" name="TextBox 2"/>
+          <p:cNvSpPr txBox="1"/>
+          <p:nvPr/>
+        </p:nvSpPr>
+        <p:spPr>
+          <a:xfrm>
+            <a:off x="0" y="5076570"/>
+            <a:ext cx="12192000" cy="830997"/>
+          </a:xfrm>
+          <a:prstGeom prst="rect">
+            <a:avLst/>
+          </a:prstGeom>
+          <a:noFill/>
+        </p:spPr>
+        <p:txBody>
+          <a:bodyPr wrap="square" rtlCol="0" anchor="ctr">
+            <a:spAutoFit/>
+          </a:bodyPr>
+          <a:lstStyle/>
+          <a:p>
+            <a:pPr algn="ctr"/>
+            <a:r>
+              <a:rPr lang="en-US" sz="4800" b="1" dirty="0">
+                <a:solidFill>
+                  <a:srgbClr val="000066"/>
+                </a:solidFill>
+              </a:rPr>
+              <a:t>( 4 )</a:t>
+            </a:r>
+            <a:endParaRPr lang="vi-VN" sz="4800" b="1" dirty="0">
+              <a:solidFill>
+                <a:srgbClr val="000066"/>
+              </a:solidFill>
+            </a:endParaRPr>
+          </a:p>
+        </p:txBody>
+      </p:sp>
+    </p:spTree>
+    <p:extLst>
+      <p:ext uri="{BB962C8B-B14F-4D97-AF65-F5344CB8AC3E}">
+        <p14:creationId xmlns:p14="http://schemas.microsoft.com/office/powerpoint/2010/main" val="311715860"/>
+      </p:ext>
+    </p:extLst>
+  </p:cSld>
+  <p:clrMapOvr>
+    <a:masterClrMapping/>
+  </p:clrMapOvr>
+  <p:timing>
+    <p:tnLst>
+      <p:par>
+        <p:cTn id="1" dur="indefinite" restart="never" nodeType="tmRoot"/>
+      </p:par>
+    </p:tnLst>
+  </p:timing>
+</p:sld>
+</file>
+
+<file path=ppt/slides/slide15.xml><?xml version="1.0" encoding="utf-8"?>
+<p:sld xmlns:a="http://schemas.openxmlformats.org/drawingml/2006/main" xmlns:r="http://schemas.openxmlformats.org/officeDocument/2006/relationships" xmlns:p="http://schemas.openxmlformats.org/presentationml/2006/main">
+  <p:cSld>
+    <p:spTree>
+      <p:nvGrpSpPr>
+        <p:cNvPr id="1" name=""/>
+        <p:cNvGrpSpPr/>
+        <p:nvPr/>
+      </p:nvGrpSpPr>
+      <p:grpSpPr>
+        <a:xfrm>
+          <a:off x="0" y="0"/>
+          <a:ext cx="0" cy="0"/>
+          <a:chOff x="0" y="0"/>
+          <a:chExt cx="0" cy="0"/>
+        </a:xfrm>
+      </p:grpSpPr>
+      <p:sp>
+        <p:nvSpPr>
+          <p:cNvPr id="5" name="內容版面配置區 4"/>
+          <p:cNvSpPr>
+            <a:spLocks noGrp="1"/>
+          </p:cNvSpPr>
+          <p:nvPr>
+            <p:ph idx="1"/>
+          </p:nvPr>
+        </p:nvSpPr>
+        <p:spPr>
+          <a:xfrm>
+            <a:off x="0" y="2084851"/>
+            <a:ext cx="12192000" cy="2404863"/>
+          </a:xfrm>
+        </p:spPr>
+        <p:txBody>
+          <a:bodyPr anchor="ctr">
+            <a:normAutofit/>
+          </a:bodyPr>
+          <a:lstStyle/>
+          <a:p>
+            <a:pPr algn="ctr">
+              <a:buNone/>
+            </a:pPr>
+            <a:r>
+              <a:rPr lang="zh-TW" altLang="en-US" sz="6400" b="1" dirty="0">
+                <a:solidFill>
+                  <a:srgbClr val="000066"/>
+                </a:solidFill>
+                <a:latin typeface="Microsoft JhengHei" panose="020B0604030504040204" pitchFamily="34" charset="-120"/>
+                <a:ea typeface="Microsoft JhengHei" panose="020B0604030504040204" pitchFamily="34" charset="-120"/>
+              </a:rPr>
+              <a:t>但主慈愛永不更改</a:t>
+            </a:r>
+          </a:p>
+          <a:p>
+            <a:pPr algn="ctr">
+              <a:buNone/>
+            </a:pPr>
+            <a:r>
+              <a:rPr lang="zh-TW" altLang="en-US" sz="6400" b="1" dirty="0">
+                <a:solidFill>
+                  <a:srgbClr val="000066"/>
+                </a:solidFill>
+                <a:latin typeface="Microsoft JhengHei" panose="020B0604030504040204" pitchFamily="34" charset="-120"/>
+                <a:ea typeface="Microsoft JhengHei" panose="020B0604030504040204" pitchFamily="34" charset="-120"/>
+              </a:rPr>
+              <a:t>主必看顧到底</a:t>
+            </a:r>
+            <a:endParaRPr lang="zh-TW" altLang="en-US" sz="6400" b="1" dirty="0">
+              <a:solidFill>
+                <a:srgbClr val="000066"/>
+              </a:solidFill>
+              <a:latin typeface="Microsoft JhengHei" panose="020B0604030504040204" pitchFamily="34" charset="-120"/>
+              <a:ea typeface="Microsoft JhengHei" panose="020B0604030504040204" pitchFamily="34" charset="-120"/>
+            </a:endParaRPr>
+          </a:p>
+        </p:txBody>
+      </p:sp>
+      <p:sp>
+        <p:nvSpPr>
+          <p:cNvPr id="3" name="TextBox 2"/>
+          <p:cNvSpPr txBox="1"/>
+          <p:nvPr/>
+        </p:nvSpPr>
+        <p:spPr>
+          <a:xfrm>
+            <a:off x="0" y="5076570"/>
+            <a:ext cx="12192000" cy="830997"/>
+          </a:xfrm>
+          <a:prstGeom prst="rect">
+            <a:avLst/>
+          </a:prstGeom>
+          <a:noFill/>
+        </p:spPr>
+        <p:txBody>
+          <a:bodyPr wrap="square" rtlCol="0" anchor="ctr">
+            <a:spAutoFit/>
+          </a:bodyPr>
+          <a:lstStyle/>
+          <a:p>
+            <a:pPr algn="ctr"/>
+            <a:r>
+              <a:rPr lang="en-US" sz="4800" b="1" dirty="0">
+                <a:solidFill>
+                  <a:srgbClr val="000066"/>
+                </a:solidFill>
+              </a:rPr>
+              <a:t>( 4 )</a:t>
+            </a:r>
+            <a:endParaRPr lang="vi-VN" sz="4800" b="1" dirty="0">
+              <a:solidFill>
+                <a:srgbClr val="000066"/>
+              </a:solidFill>
+            </a:endParaRPr>
+          </a:p>
+        </p:txBody>
+      </p:sp>
+    </p:spTree>
+    <p:extLst>
+      <p:ext uri="{BB962C8B-B14F-4D97-AF65-F5344CB8AC3E}">
+        <p14:creationId xmlns:p14="http://schemas.microsoft.com/office/powerpoint/2010/main" val="2256440760"/>
+      </p:ext>
+    </p:extLst>
+  </p:cSld>
+  <p:clrMapOvr>
+    <a:masterClrMapping/>
+  </p:clrMapOvr>
+  <p:timing>
+    <p:tnLst>
+      <p:par>
+        <p:cTn id="1" dur="indefinite" restart="never" nodeType="tmRoot"/>
+      </p:par>
+    </p:tnLst>
+  </p:timing>
+</p:sld>
+</file>
+
+<file path=ppt/slides/slide16.xml><?xml version="1.0" encoding="utf-8"?>
+<p:sld xmlns:a="http://schemas.openxmlformats.org/drawingml/2006/main" xmlns:r="http://schemas.openxmlformats.org/officeDocument/2006/relationships" xmlns:p="http://schemas.openxmlformats.org/presentationml/2006/main">
+  <p:cSld>
+    <p:spTree>
+      <p:nvGrpSpPr>
+        <p:cNvPr id="1" name=""/>
+        <p:cNvGrpSpPr/>
+        <p:nvPr/>
+      </p:nvGrpSpPr>
+      <p:grpSpPr>
+        <a:xfrm>
+          <a:off x="0" y="0"/>
+          <a:ext cx="0" cy="0"/>
+          <a:chOff x="0" y="0"/>
+          <a:chExt cx="0" cy="0"/>
+        </a:xfrm>
+      </p:grpSpPr>
+      <p:sp>
+        <p:nvSpPr>
+          <p:cNvPr id="5" name="內容版面配置區 4"/>
+          <p:cNvSpPr>
+            <a:spLocks noGrp="1"/>
+          </p:cNvSpPr>
+          <p:nvPr>
+            <p:ph idx="1"/>
+          </p:nvPr>
+        </p:nvSpPr>
+        <p:spPr>
+          <a:xfrm>
+            <a:off x="0" y="2084851"/>
+            <a:ext cx="12192000" cy="2404863"/>
+          </a:xfrm>
+        </p:spPr>
+        <p:txBody>
+          <a:bodyPr anchor="ctr">
+            <a:normAutofit/>
+          </a:bodyPr>
+          <a:lstStyle/>
+          <a:p>
+            <a:pPr algn="ctr">
+              <a:buNone/>
+            </a:pPr>
+            <a:r>
+              <a:rPr lang="zh-TW" altLang="en-US" sz="6400" b="1" dirty="0">
+                <a:solidFill>
+                  <a:srgbClr val="000066"/>
+                </a:solidFill>
+                <a:latin typeface="Microsoft JhengHei" panose="020B0604030504040204" pitchFamily="34" charset="-120"/>
+                <a:ea typeface="Microsoft JhengHei" panose="020B0604030504040204" pitchFamily="34" charset="-120"/>
+              </a:rPr>
+              <a:t>惟我深知所信的是誰</a:t>
+            </a:r>
+          </a:p>
+          <a:p>
+            <a:pPr algn="ctr">
+              <a:buNone/>
+            </a:pPr>
+            <a:r>
+              <a:rPr lang="zh-TW" altLang="en-US" sz="6400" b="1" dirty="0">
+                <a:solidFill>
+                  <a:srgbClr val="000066"/>
+                </a:solidFill>
+                <a:latin typeface="Microsoft JhengHei" panose="020B0604030504040204" pitchFamily="34" charset="-120"/>
+                <a:ea typeface="Microsoft JhengHei" panose="020B0604030504040204" pitchFamily="34" charset="-120"/>
+              </a:rPr>
+              <a:t>也深信主能保守我交付</a:t>
+            </a:r>
+            <a:endParaRPr lang="zh-TW" altLang="en-US" sz="6400" b="1" dirty="0">
+              <a:solidFill>
+                <a:srgbClr val="000066"/>
+              </a:solidFill>
+              <a:latin typeface="Microsoft JhengHei" panose="020B0604030504040204" pitchFamily="34" charset="-120"/>
+              <a:ea typeface="Microsoft JhengHei" panose="020B0604030504040204" pitchFamily="34" charset="-120"/>
+            </a:endParaRPr>
+          </a:p>
+        </p:txBody>
+      </p:sp>
+    </p:spTree>
+    <p:extLst>
+      <p:ext uri="{BB962C8B-B14F-4D97-AF65-F5344CB8AC3E}">
+        <p14:creationId xmlns:p14="http://schemas.microsoft.com/office/powerpoint/2010/main" val="2212915820"/>
+      </p:ext>
+    </p:extLst>
+  </p:cSld>
+  <p:clrMapOvr>
+    <a:masterClrMapping/>
+  </p:clrMapOvr>
+  <p:timing>
+    <p:tnLst>
+      <p:par>
+        <p:cTn id="1" dur="indefinite" restart="never" nodeType="tmRoot"/>
+      </p:par>
+    </p:tnLst>
+  </p:timing>
+</p:sld>
+</file>
+
+<file path=ppt/slides/slide17.xml><?xml version="1.0" encoding="utf-8"?>
+<p:sld xmlns:a="http://schemas.openxmlformats.org/drawingml/2006/main" xmlns:r="http://schemas.openxmlformats.org/officeDocument/2006/relationships" xmlns:p="http://schemas.openxmlformats.org/presentationml/2006/main">
+  <p:cSld>
+    <p:spTree>
+      <p:nvGrpSpPr>
+        <p:cNvPr id="1" name=""/>
+        <p:cNvGrpSpPr/>
+        <p:nvPr/>
+      </p:nvGrpSpPr>
+      <p:grpSpPr>
+        <a:xfrm>
+          <a:off x="0" y="0"/>
+          <a:ext cx="0" cy="0"/>
+          <a:chOff x="0" y="0"/>
+          <a:chExt cx="0" cy="0"/>
+        </a:xfrm>
+      </p:grpSpPr>
+      <p:sp>
+        <p:nvSpPr>
+          <p:cNvPr id="5" name="內容版面配置區 4"/>
+          <p:cNvSpPr>
+            <a:spLocks noGrp="1"/>
+          </p:cNvSpPr>
+          <p:nvPr>
+            <p:ph idx="1"/>
+          </p:nvPr>
+        </p:nvSpPr>
+        <p:spPr>
+          <a:xfrm>
+            <a:off x="0" y="2084851"/>
+            <a:ext cx="12192000" cy="2404863"/>
+          </a:xfrm>
+        </p:spPr>
+        <p:txBody>
+          <a:bodyPr anchor="ctr">
+            <a:normAutofit/>
+          </a:bodyPr>
+          <a:lstStyle/>
+          <a:p>
+            <a:pPr algn="ctr">
+              <a:buNone/>
+            </a:pPr>
+            <a:r>
+              <a:rPr lang="zh-TW" altLang="en-US" sz="6400" b="1" dirty="0">
+                <a:solidFill>
+                  <a:srgbClr val="000066"/>
+                </a:solidFill>
+                <a:latin typeface="Microsoft JhengHei" panose="020B0604030504040204" pitchFamily="34" charset="-120"/>
+                <a:ea typeface="Microsoft JhengHei" panose="020B0604030504040204" pitchFamily="34" charset="-120"/>
+              </a:rPr>
+              <a:t>與主的並主託我的</a:t>
+            </a:r>
+          </a:p>
+          <a:p>
+            <a:pPr algn="ctr">
+              <a:buNone/>
+            </a:pPr>
+            <a:r>
+              <a:rPr lang="zh-TW" altLang="en-US" sz="6400" b="1" dirty="0">
+                <a:solidFill>
+                  <a:srgbClr val="000066"/>
+                </a:solidFill>
+                <a:latin typeface="Microsoft JhengHei" panose="020B0604030504040204" pitchFamily="34" charset="-120"/>
+                <a:ea typeface="Microsoft JhengHei" panose="020B0604030504040204" pitchFamily="34" charset="-120"/>
+              </a:rPr>
+              <a:t>都全備直到那日</a:t>
+            </a:r>
+            <a:endParaRPr lang="zh-TW" altLang="en-US" sz="6400" b="1" dirty="0">
+              <a:solidFill>
+                <a:srgbClr val="000066"/>
+              </a:solidFill>
+              <a:latin typeface="Microsoft JhengHei" panose="020B0604030504040204" pitchFamily="34" charset="-120"/>
+              <a:ea typeface="Microsoft JhengHei" panose="020B0604030504040204" pitchFamily="34" charset="-120"/>
+            </a:endParaRPr>
+          </a:p>
+        </p:txBody>
+      </p:sp>
+    </p:spTree>
+    <p:extLst>
+      <p:ext uri="{BB962C8B-B14F-4D97-AF65-F5344CB8AC3E}">
+        <p14:creationId xmlns:p14="http://schemas.microsoft.com/office/powerpoint/2010/main" val="1746208000"/>
+      </p:ext>
+    </p:extLst>
+  </p:cSld>
+  <p:clrMapOvr>
+    <a:masterClrMapping/>
+  </p:clrMapOvr>
+  <p:timing>
+    <p:tnLst>
+      <p:par>
+        <p:cTn id="1" dur="indefinite" restart="never" nodeType="tmRoot"/>
+      </p:par>
+    </p:tnLst>
+  </p:timing>
+</p:sld>
+</file>
+
+<file path=ppt/slides/slide18.xml><?xml version="1.0" encoding="utf-8"?>
+<p:sld xmlns:a="http://schemas.openxmlformats.org/drawingml/2006/main" xmlns:r="http://schemas.openxmlformats.org/officeDocument/2006/relationships" xmlns:p="http://schemas.openxmlformats.org/presentationml/2006/main">
+  <p:cSld>
+    <p:spTree>
+      <p:nvGrpSpPr>
+        <p:cNvPr id="1" name=""/>
+        <p:cNvGrpSpPr/>
+        <p:nvPr/>
+      </p:nvGrpSpPr>
+      <p:grpSpPr>
+        <a:xfrm>
+          <a:off x="0" y="0"/>
+          <a:ext cx="0" cy="0"/>
+          <a:chOff x="0" y="0"/>
+          <a:chExt cx="0" cy="0"/>
+        </a:xfrm>
+      </p:grpSpPr>
+      <p:sp>
+        <p:nvSpPr>
+          <p:cNvPr id="5" name="內容版面配置區 4"/>
+          <p:cNvSpPr>
+            <a:spLocks noGrp="1"/>
+          </p:cNvSpPr>
+          <p:nvPr>
+            <p:ph idx="1"/>
+          </p:nvPr>
+        </p:nvSpPr>
+        <p:spPr>
+          <a:xfrm>
+            <a:off x="0" y="2084851"/>
+            <a:ext cx="12192000" cy="2404863"/>
+          </a:xfrm>
+        </p:spPr>
+        <p:txBody>
+          <a:bodyPr anchor="ctr">
+            <a:normAutofit/>
+          </a:bodyPr>
+          <a:lstStyle/>
+          <a:p>
+            <a:pPr algn="ctr">
+              <a:buNone/>
+            </a:pPr>
+            <a:r>
+              <a:rPr lang="zh-CN" altLang="en-US" sz="6400" b="1" dirty="0">
+                <a:solidFill>
+                  <a:srgbClr val="000066"/>
+                </a:solidFill>
+                <a:latin typeface="Microsoft JhengHei" panose="020B0604030504040204" pitchFamily="34" charset="-120"/>
+                <a:ea typeface="Microsoft JhengHei" panose="020B0604030504040204" pitchFamily="34" charset="-120"/>
+              </a:rPr>
+              <a:t>不知我主何時再臨</a:t>
+            </a:r>
+            <a:endParaRPr lang="zh-TW" altLang="en-US" sz="6400" b="1" dirty="0">
+              <a:solidFill>
+                <a:srgbClr val="000066"/>
+              </a:solidFill>
+              <a:latin typeface="Microsoft JhengHei" panose="020B0604030504040204" pitchFamily="34" charset="-120"/>
+              <a:ea typeface="Microsoft JhengHei" panose="020B0604030504040204" pitchFamily="34" charset="-120"/>
+            </a:endParaRPr>
+          </a:p>
+          <a:p>
+            <a:pPr algn="ctr">
+              <a:buNone/>
+            </a:pPr>
+            <a:r>
+              <a:rPr lang="zh-TW" altLang="en-US" sz="6400" b="1" dirty="0">
+                <a:solidFill>
+                  <a:srgbClr val="000066"/>
+                </a:solidFill>
+                <a:latin typeface="Microsoft JhengHei" panose="020B0604030504040204" pitchFamily="34" charset="-120"/>
+                <a:ea typeface="Microsoft JhengHei" panose="020B0604030504040204" pitchFamily="34" charset="-120"/>
+              </a:rPr>
+              <a:t>如何與主相逢</a:t>
+            </a:r>
+            <a:endParaRPr lang="zh-TW" altLang="en-US" sz="6400" b="1" dirty="0">
+              <a:solidFill>
+                <a:srgbClr val="000066"/>
+              </a:solidFill>
+              <a:latin typeface="Microsoft JhengHei" panose="020B0604030504040204" pitchFamily="34" charset="-120"/>
+              <a:ea typeface="Microsoft JhengHei" panose="020B0604030504040204" pitchFamily="34" charset="-120"/>
+            </a:endParaRPr>
+          </a:p>
+        </p:txBody>
+      </p:sp>
+      <p:sp>
+        <p:nvSpPr>
+          <p:cNvPr id="3" name="TextBox 2"/>
+          <p:cNvSpPr txBox="1"/>
+          <p:nvPr/>
+        </p:nvSpPr>
+        <p:spPr>
+          <a:xfrm>
+            <a:off x="0" y="5076570"/>
+            <a:ext cx="12192000" cy="830997"/>
+          </a:xfrm>
+          <a:prstGeom prst="rect">
+            <a:avLst/>
+          </a:prstGeom>
+          <a:noFill/>
+        </p:spPr>
+        <p:txBody>
+          <a:bodyPr wrap="square" rtlCol="0" anchor="ctr">
+            <a:spAutoFit/>
+          </a:bodyPr>
+          <a:lstStyle/>
+          <a:p>
+            <a:pPr algn="ctr"/>
+            <a:r>
+              <a:rPr lang="en-US" sz="4800" b="1" dirty="0">
+                <a:solidFill>
+                  <a:srgbClr val="000066"/>
+                </a:solidFill>
+              </a:rPr>
+              <a:t>( 5 )</a:t>
+            </a:r>
+            <a:endParaRPr lang="vi-VN" sz="4800" b="1" dirty="0">
+              <a:solidFill>
+                <a:srgbClr val="000066"/>
+              </a:solidFill>
+            </a:endParaRPr>
+          </a:p>
+        </p:txBody>
+      </p:sp>
+    </p:spTree>
+    <p:extLst>
+      <p:ext uri="{BB962C8B-B14F-4D97-AF65-F5344CB8AC3E}">
+        <p14:creationId xmlns:p14="http://schemas.microsoft.com/office/powerpoint/2010/main" val="2946687439"/>
+      </p:ext>
+    </p:extLst>
+  </p:cSld>
+  <p:clrMapOvr>
+    <a:masterClrMapping/>
+  </p:clrMapOvr>
+  <p:timing>
+    <p:tnLst>
+      <p:par>
+        <p:cTn id="1" dur="indefinite" restart="never" nodeType="tmRoot"/>
+      </p:par>
+    </p:tnLst>
+  </p:timing>
+</p:sld>
+</file>
+
+<file path=ppt/slides/slide19.xml><?xml version="1.0" encoding="utf-8"?>
+<p:sld xmlns:a="http://schemas.openxmlformats.org/drawingml/2006/main" xmlns:r="http://schemas.openxmlformats.org/officeDocument/2006/relationships" xmlns:p="http://schemas.openxmlformats.org/presentationml/2006/main">
+  <p:cSld>
+    <p:spTree>
+      <p:nvGrpSpPr>
+        <p:cNvPr id="1" name=""/>
+        <p:cNvGrpSpPr/>
+        <p:nvPr/>
+      </p:nvGrpSpPr>
+      <p:grpSpPr>
+        <a:xfrm>
+          <a:off x="0" y="0"/>
+          <a:ext cx="0" cy="0"/>
+          <a:chOff x="0" y="0"/>
+          <a:chExt cx="0" cy="0"/>
+        </a:xfrm>
+      </p:grpSpPr>
+      <p:sp>
+        <p:nvSpPr>
+          <p:cNvPr id="5" name="內容版面配置區 4"/>
+          <p:cNvSpPr>
+            <a:spLocks noGrp="1"/>
+          </p:cNvSpPr>
+          <p:nvPr>
+            <p:ph idx="1"/>
+          </p:nvPr>
+        </p:nvSpPr>
+        <p:spPr>
+          <a:xfrm>
+            <a:off x="0" y="2084851"/>
+            <a:ext cx="12192000" cy="2404863"/>
+          </a:xfrm>
+        </p:spPr>
+        <p:txBody>
+          <a:bodyPr anchor="ctr">
+            <a:normAutofit/>
+          </a:bodyPr>
+          <a:lstStyle/>
+          <a:p>
+            <a:pPr algn="ctr">
+              <a:buNone/>
+            </a:pPr>
+            <a:r>
+              <a:rPr lang="zh-TW" altLang="en-US" sz="6400" b="1" dirty="0">
+                <a:solidFill>
+                  <a:srgbClr val="000066"/>
+                </a:solidFill>
+                <a:latin typeface="Microsoft JhengHei" panose="020B0604030504040204" pitchFamily="34" charset="-120"/>
+                <a:ea typeface="Microsoft JhengHei" panose="020B0604030504040204" pitchFamily="34" charset="-120"/>
+              </a:rPr>
+              <a:t>或將經過死蔭幽谷</a:t>
+            </a:r>
+          </a:p>
+          <a:p>
+            <a:pPr algn="ctr">
+              <a:buNone/>
+            </a:pPr>
+            <a:r>
+              <a:rPr lang="zh-CN" altLang="en-US" sz="6400" b="1" dirty="0">
+                <a:solidFill>
+                  <a:srgbClr val="000066"/>
+                </a:solidFill>
+                <a:latin typeface="Microsoft JhengHei" panose="020B0604030504040204" pitchFamily="34" charset="-120"/>
+                <a:ea typeface="Microsoft JhengHei" panose="020B0604030504040204" pitchFamily="34" charset="-120"/>
+              </a:rPr>
+              <a:t>或遇主於空中</a:t>
+            </a:r>
+            <a:endParaRPr lang="zh-TW" altLang="en-US" sz="6400" b="1" dirty="0">
+              <a:solidFill>
+                <a:srgbClr val="000066"/>
+              </a:solidFill>
+              <a:latin typeface="Microsoft JhengHei" panose="020B0604030504040204" pitchFamily="34" charset="-120"/>
+              <a:ea typeface="Microsoft JhengHei" panose="020B0604030504040204" pitchFamily="34" charset="-120"/>
+            </a:endParaRPr>
+          </a:p>
+        </p:txBody>
+      </p:sp>
+      <p:sp>
+        <p:nvSpPr>
+          <p:cNvPr id="3" name="TextBox 2"/>
+          <p:cNvSpPr txBox="1"/>
+          <p:nvPr/>
+        </p:nvSpPr>
+        <p:spPr>
+          <a:xfrm>
+            <a:off x="0" y="5076570"/>
+            <a:ext cx="12192000" cy="830997"/>
+          </a:xfrm>
+          <a:prstGeom prst="rect">
+            <a:avLst/>
+          </a:prstGeom>
+          <a:noFill/>
+        </p:spPr>
+        <p:txBody>
+          <a:bodyPr wrap="square" rtlCol="0" anchor="ctr">
+            <a:spAutoFit/>
+          </a:bodyPr>
+          <a:lstStyle/>
+          <a:p>
+            <a:pPr algn="ctr"/>
+            <a:r>
+              <a:rPr lang="en-US" sz="4800" b="1" dirty="0">
+                <a:solidFill>
+                  <a:srgbClr val="000066"/>
+                </a:solidFill>
+              </a:rPr>
+              <a:t>( 5 )</a:t>
+            </a:r>
+            <a:endParaRPr lang="vi-VN" sz="4800" b="1" dirty="0">
+              <a:solidFill>
+                <a:srgbClr val="000066"/>
+              </a:solidFill>
+            </a:endParaRPr>
+          </a:p>
+        </p:txBody>
+      </p:sp>
+    </p:spTree>
+    <p:extLst>
+      <p:ext uri="{BB962C8B-B14F-4D97-AF65-F5344CB8AC3E}">
+        <p14:creationId xmlns:p14="http://schemas.microsoft.com/office/powerpoint/2010/main" val="328399222"/>
+      </p:ext>
+    </p:extLst>
+  </p:cSld>
+  <p:clrMapOvr>
+    <a:masterClrMapping/>
+  </p:clrMapOvr>
+  <p:timing>
+    <p:tnLst>
+      <p:par>
+        <p:cTn id="1" dur="indefinite" restart="never" nodeType="tmRoot"/>
+      </p:par>
+    </p:tnLst>
+  </p:timing>
 </p:sld>
 </file>
 
@@ -3409,29 +4530,58 @@
       </p:grpSpPr>
       <p:sp>
         <p:nvSpPr>
-          <p:cNvPr id="4" name="標題 3"/>
-          <p:cNvSpPr>
-            <a:spLocks noGrp="1"/>
-          </p:cNvSpPr>
-          <p:nvPr>
-            <p:ph type="title"/>
-          </p:nvPr>
-        </p:nvSpPr>
-        <p:spPr/>
-        <p:txBody>
-          <a:bodyPr>
+          <p:cNvPr id="5" name="內容版面配置區 4"/>
+          <p:cNvSpPr>
+            <a:spLocks noGrp="1"/>
+          </p:cNvSpPr>
+          <p:nvPr>
+            <p:ph idx="1"/>
+          </p:nvPr>
+        </p:nvSpPr>
+        <p:spPr>
+          <a:xfrm>
+            <a:off x="0" y="2084851"/>
+            <a:ext cx="12192000" cy="2404863"/>
+          </a:xfrm>
+        </p:spPr>
+        <p:txBody>
+          <a:bodyPr anchor="ctr">
             <a:normAutofit/>
           </a:bodyPr>
           <a:lstStyle/>
           <a:p>
-            <a:r>
-              <a:rPr lang="zh-CN" altLang="en-US" sz="5400" b="1" dirty="0">
+            <a:pPr algn="ctr">
+              <a:buNone/>
+            </a:pPr>
+            <a:r>
+              <a:rPr lang="zh-TW" altLang="en-US" sz="6400" b="1" dirty="0">
+                <a:solidFill>
+                  <a:srgbClr val="000066"/>
+                </a:solidFill>
                 <a:latin typeface="Microsoft JhengHei" panose="020B0604030504040204" pitchFamily="34" charset="-120"/>
                 <a:ea typeface="Microsoft JhengHei" panose="020B0604030504040204" pitchFamily="34" charset="-120"/>
               </a:rPr>
-              <a:t>我知所信是誰</a:t>
-            </a:r>
-            <a:endParaRPr lang="zh-TW" altLang="en-US" sz="5400" b="1" dirty="0">
+              <a:t>不知何以上主恩惠</a:t>
+            </a:r>
+          </a:p>
+          <a:p>
+            <a:pPr algn="ctr">
+              <a:buNone/>
+            </a:pPr>
+            <a:r>
+              <a:rPr lang="zh-TW" altLang="en-US" sz="6400" b="1" dirty="0">
+                <a:solidFill>
+                  <a:srgbClr val="000066"/>
+                </a:solidFill>
+                <a:latin typeface="Microsoft JhengHei" panose="020B0604030504040204" pitchFamily="34" charset="-120"/>
+                <a:ea typeface="Microsoft JhengHei" panose="020B0604030504040204" pitchFamily="34" charset="-120"/>
+              </a:rPr>
+              <a:t>待我如此深厚</a:t>
+            </a:r>
+            <a:endParaRPr lang="zh-TW" altLang="en-US" sz="6400" b="1" dirty="0">
+              <a:solidFill>
+                <a:srgbClr val="000066"/>
+              </a:solidFill>
               <a:latin typeface="Microsoft JhengHei" panose="020B0604030504040204" pitchFamily="34" charset="-120"/>
               <a:ea typeface="Microsoft JhengHei" panose="020B0604030504040204" pitchFamily="34" charset="-120"/>
             </a:endParaRPr>
@@ -3440,6 +4590,82 @@
       </p:sp>
       <p:sp>
         <p:nvSpPr>
+          <p:cNvPr id="3" name="TextBox 2"/>
+          <p:cNvSpPr txBox="1"/>
+          <p:nvPr/>
+        </p:nvSpPr>
+        <p:spPr>
+          <a:xfrm>
+            <a:off x="0" y="5076570"/>
+            <a:ext cx="12192000" cy="830997"/>
+          </a:xfrm>
+          <a:prstGeom prst="rect">
+            <a:avLst/>
+          </a:prstGeom>
+          <a:noFill/>
+        </p:spPr>
+        <p:txBody>
+          <a:bodyPr wrap="square" rtlCol="0" anchor="ctr">
+            <a:spAutoFit/>
+          </a:bodyPr>
+          <a:lstStyle/>
+          <a:p>
+            <a:pPr algn="ctr"/>
+            <a:r>
+              <a:rPr lang="en-US" sz="4800" b="1" dirty="0">
+                <a:solidFill>
+                  <a:srgbClr val="000066"/>
+                </a:solidFill>
+              </a:rPr>
+              <a:t>( 1 )</a:t>
+            </a:r>
+            <a:endParaRPr lang="vi-VN" sz="4800" b="1" dirty="0">
+              <a:solidFill>
+                <a:srgbClr val="000066"/>
+              </a:solidFill>
+            </a:endParaRPr>
+          </a:p>
+        </p:txBody>
+      </p:sp>
+    </p:spTree>
+    <p:extLst>
+      <p:ext uri="{BB962C8B-B14F-4D97-AF65-F5344CB8AC3E}">
+        <p14:creationId xmlns:p14="http://schemas.microsoft.com/office/powerpoint/2010/main" val="233333599"/>
+      </p:ext>
+    </p:extLst>
+  </p:cSld>
+  <p:clrMapOvr>
+    <a:masterClrMapping/>
+  </p:clrMapOvr>
+  <p:timing>
+    <p:tnLst>
+      <p:par>
+        <p:cTn id="1" dur="indefinite" restart="never" nodeType="tmRoot"/>
+      </p:par>
+    </p:tnLst>
+  </p:timing>
+</p:sld>
+</file>
+
+<file path=ppt/slides/slide20.xml><?xml version="1.0" encoding="utf-8"?>
+<p:sld xmlns:a="http://schemas.openxmlformats.org/drawingml/2006/main" xmlns:r="http://schemas.openxmlformats.org/officeDocument/2006/relationships" xmlns:p="http://schemas.openxmlformats.org/presentationml/2006/main">
+  <p:cSld>
+    <p:spTree>
+      <p:nvGrpSpPr>
+        <p:cNvPr id="1" name=""/>
+        <p:cNvGrpSpPr/>
+        <p:nvPr/>
+      </p:nvGrpSpPr>
+      <p:grpSpPr>
+        <a:xfrm>
+          <a:off x="0" y="0"/>
+          <a:ext cx="0" cy="0"/>
+          <a:chOff x="0" y="0"/>
+          <a:chExt cx="0" cy="0"/>
+        </a:xfrm>
+      </p:grpSpPr>
+      <p:sp>
+        <p:nvSpPr>
           <p:cNvPr id="5" name="內容版面配置區 4"/>
           <p:cNvSpPr>
             <a:spLocks noGrp="1"/>
@@ -3448,9 +4674,14 @@
             <p:ph idx="1"/>
           </p:nvPr>
         </p:nvSpPr>
-        <p:spPr/>
-        <p:txBody>
-          <a:bodyPr>
+        <p:spPr>
+          <a:xfrm>
+            <a:off x="0" y="2084851"/>
+            <a:ext cx="12192000" cy="2404863"/>
+          </a:xfrm>
+        </p:spPr>
+        <p:txBody>
+          <a:bodyPr anchor="ctr">
             <a:normAutofit/>
           </a:bodyPr>
           <a:lstStyle/>
@@ -3459,7 +4690,10 @@
               <a:buNone/>
             </a:pPr>
             <a:r>
-              <a:rPr lang="zh-TW" altLang="en-US" sz="6000" b="1" dirty="0">
+              <a:rPr lang="zh-TW" altLang="en-US" sz="6400" b="1" dirty="0">
+                <a:solidFill>
+                  <a:srgbClr val="000066"/>
+                </a:solidFill>
                 <a:latin typeface="Microsoft JhengHei" panose="020B0604030504040204" pitchFamily="34" charset="-120"/>
                 <a:ea typeface="Microsoft JhengHei" panose="020B0604030504040204" pitchFamily="34" charset="-120"/>
               </a:rPr>
@@ -3471,19 +4705,92 @@
               <a:buNone/>
             </a:pPr>
             <a:r>
-              <a:rPr lang="zh-TW" altLang="en-US" sz="6000" b="1" dirty="0">
+              <a:rPr lang="zh-TW" altLang="en-US" sz="6400" b="1" dirty="0">
+                <a:solidFill>
+                  <a:srgbClr val="000066"/>
+                </a:solidFill>
                 <a:latin typeface="Microsoft JhengHei" panose="020B0604030504040204" pitchFamily="34" charset="-120"/>
                 <a:ea typeface="Microsoft JhengHei" panose="020B0604030504040204" pitchFamily="34" charset="-120"/>
               </a:rPr>
               <a:t>也深信主能保守我交付</a:t>
             </a:r>
-          </a:p>
+            <a:endParaRPr lang="zh-TW" altLang="en-US" sz="6400" b="1" dirty="0">
+              <a:solidFill>
+                <a:srgbClr val="000066"/>
+              </a:solidFill>
+              <a:latin typeface="Microsoft JhengHei" panose="020B0604030504040204" pitchFamily="34" charset="-120"/>
+              <a:ea typeface="Microsoft JhengHei" panose="020B0604030504040204" pitchFamily="34" charset="-120"/>
+            </a:endParaRPr>
+          </a:p>
+        </p:txBody>
+      </p:sp>
+    </p:spTree>
+    <p:extLst>
+      <p:ext uri="{BB962C8B-B14F-4D97-AF65-F5344CB8AC3E}">
+        <p14:creationId xmlns:p14="http://schemas.microsoft.com/office/powerpoint/2010/main" val="3998066195"/>
+      </p:ext>
+    </p:extLst>
+  </p:cSld>
+  <p:clrMapOvr>
+    <a:masterClrMapping/>
+  </p:clrMapOvr>
+  <p:timing>
+    <p:tnLst>
+      <p:par>
+        <p:cTn id="1" dur="indefinite" restart="never" nodeType="tmRoot"/>
+      </p:par>
+    </p:tnLst>
+  </p:timing>
+</p:sld>
+</file>
+
+<file path=ppt/slides/slide21.xml><?xml version="1.0" encoding="utf-8"?>
+<p:sld xmlns:a="http://schemas.openxmlformats.org/drawingml/2006/main" xmlns:r="http://schemas.openxmlformats.org/officeDocument/2006/relationships" xmlns:p="http://schemas.openxmlformats.org/presentationml/2006/main">
+  <p:cSld>
+    <p:spTree>
+      <p:nvGrpSpPr>
+        <p:cNvPr id="1" name=""/>
+        <p:cNvGrpSpPr/>
+        <p:nvPr/>
+      </p:nvGrpSpPr>
+      <p:grpSpPr>
+        <a:xfrm>
+          <a:off x="0" y="0"/>
+          <a:ext cx="0" cy="0"/>
+          <a:chOff x="0" y="0"/>
+          <a:chExt cx="0" cy="0"/>
+        </a:xfrm>
+      </p:grpSpPr>
+      <p:sp>
+        <p:nvSpPr>
+          <p:cNvPr id="5" name="內容版面配置區 4"/>
+          <p:cNvSpPr>
+            <a:spLocks noGrp="1"/>
+          </p:cNvSpPr>
+          <p:nvPr>
+            <p:ph idx="1"/>
+          </p:nvPr>
+        </p:nvSpPr>
+        <p:spPr>
+          <a:xfrm>
+            <a:off x="0" y="2084851"/>
+            <a:ext cx="12192000" cy="2404863"/>
+          </a:xfrm>
+        </p:spPr>
+        <p:txBody>
+          <a:bodyPr anchor="ctr">
+            <a:normAutofit/>
+          </a:bodyPr>
+          <a:lstStyle/>
           <a:p>
             <a:pPr algn="ctr">
               <a:buNone/>
             </a:pPr>
             <a:r>
-              <a:rPr lang="zh-TW" altLang="en-US" sz="6000" b="1" dirty="0">
+              <a:rPr lang="zh-TW" altLang="en-US" sz="6400" b="1" dirty="0">
+                <a:solidFill>
+                  <a:srgbClr val="000066"/>
+                </a:solidFill>
                 <a:latin typeface="Microsoft JhengHei" panose="020B0604030504040204" pitchFamily="34" charset="-120"/>
                 <a:ea typeface="Microsoft JhengHei" panose="020B0604030504040204" pitchFamily="34" charset="-120"/>
               </a:rPr>
@@ -3495,20 +4802,42 @@
               <a:buNone/>
             </a:pPr>
             <a:r>
-              <a:rPr lang="zh-TW" altLang="en-US" sz="6000" b="1" dirty="0">
+              <a:rPr lang="zh-TW" altLang="en-US" sz="6400" b="1" dirty="0">
+                <a:solidFill>
+                  <a:srgbClr val="000066"/>
+                </a:solidFill>
                 <a:latin typeface="Microsoft JhengHei" panose="020B0604030504040204" pitchFamily="34" charset="-120"/>
                 <a:ea typeface="Microsoft JhengHei" panose="020B0604030504040204" pitchFamily="34" charset="-120"/>
               </a:rPr>
               <a:t>都全備直到那日</a:t>
             </a:r>
+            <a:endParaRPr lang="zh-TW" altLang="en-US" sz="6400" b="1" dirty="0">
+              <a:solidFill>
+                <a:srgbClr val="000066"/>
+              </a:solidFill>
+              <a:latin typeface="Microsoft JhengHei" panose="020B0604030504040204" pitchFamily="34" charset="-120"/>
+              <a:ea typeface="Microsoft JhengHei" panose="020B0604030504040204" pitchFamily="34" charset="-120"/>
+            </a:endParaRPr>
           </a:p>
         </p:txBody>
       </p:sp>
     </p:spTree>
+    <p:extLst>
+      <p:ext uri="{BB962C8B-B14F-4D97-AF65-F5344CB8AC3E}">
+        <p14:creationId xmlns:p14="http://schemas.microsoft.com/office/powerpoint/2010/main" val="3182455013"/>
+      </p:ext>
+    </p:extLst>
   </p:cSld>
   <p:clrMapOvr>
     <a:masterClrMapping/>
   </p:clrMapOvr>
+  <p:timing>
+    <p:tnLst>
+      <p:par>
+        <p:cTn id="1" dur="indefinite" restart="never" nodeType="tmRoot"/>
+      </p:par>
+    </p:tnLst>
+  </p:timing>
 </p:sld>
 </file>
 
@@ -3531,29 +4860,58 @@
       </p:grpSpPr>
       <p:sp>
         <p:nvSpPr>
-          <p:cNvPr id="4" name="標題 3"/>
-          <p:cNvSpPr>
-            <a:spLocks noGrp="1"/>
-          </p:cNvSpPr>
-          <p:nvPr>
-            <p:ph type="title"/>
-          </p:nvPr>
-        </p:nvSpPr>
-        <p:spPr/>
-        <p:txBody>
-          <a:bodyPr>
+          <p:cNvPr id="5" name="內容版面配置區 4"/>
+          <p:cNvSpPr>
+            <a:spLocks noGrp="1"/>
+          </p:cNvSpPr>
+          <p:nvPr>
+            <p:ph idx="1"/>
+          </p:nvPr>
+        </p:nvSpPr>
+        <p:spPr>
+          <a:xfrm>
+            <a:off x="0" y="2084851"/>
+            <a:ext cx="12192000" cy="2404863"/>
+          </a:xfrm>
+        </p:spPr>
+        <p:txBody>
+          <a:bodyPr anchor="ctr">
             <a:normAutofit/>
           </a:bodyPr>
           <a:lstStyle/>
           <a:p>
-            <a:r>
-              <a:rPr lang="zh-CN" altLang="en-US" sz="5400" b="1" dirty="0">
+            <a:pPr algn="ctr">
+              <a:buNone/>
+            </a:pPr>
+            <a:r>
+              <a:rPr lang="zh-TW" altLang="en-US" sz="6400" b="1" dirty="0">
+                <a:solidFill>
+                  <a:srgbClr val="000066"/>
+                </a:solidFill>
                 <a:latin typeface="Microsoft JhengHei" panose="020B0604030504040204" pitchFamily="34" charset="-120"/>
                 <a:ea typeface="Microsoft JhengHei" panose="020B0604030504040204" pitchFamily="34" charset="-120"/>
               </a:rPr>
-              <a:t>我知所信是誰</a:t>
-            </a:r>
-            <a:endParaRPr lang="zh-TW" altLang="en-US" sz="5400" b="1" dirty="0">
+              <a:t>不堪如我亦蒙選召</a:t>
+            </a:r>
+          </a:p>
+          <a:p>
+            <a:pPr algn="ctr">
+              <a:buNone/>
+            </a:pPr>
+            <a:r>
+              <a:rPr lang="zh-CN" altLang="en-US" sz="6400" b="1" dirty="0">
+                <a:solidFill>
+                  <a:srgbClr val="000066"/>
+                </a:solidFill>
+                <a:latin typeface="Microsoft JhengHei" panose="020B0604030504040204" pitchFamily="34" charset="-120"/>
+                <a:ea typeface="Microsoft JhengHei" panose="020B0604030504040204" pitchFamily="34" charset="-120"/>
+              </a:rPr>
+              <a:t>主恩何等奇妙</a:t>
+            </a:r>
+            <a:endParaRPr lang="zh-TW" altLang="en-US" sz="6400" b="1" dirty="0">
+              <a:solidFill>
+                <a:srgbClr val="000066"/>
+              </a:solidFill>
               <a:latin typeface="Microsoft JhengHei" panose="020B0604030504040204" pitchFamily="34" charset="-120"/>
               <a:ea typeface="Microsoft JhengHei" panose="020B0604030504040204" pitchFamily="34" charset="-120"/>
             </a:endParaRPr>
@@ -3562,91 +4920,14 @@
       </p:sp>
       <p:sp>
         <p:nvSpPr>
-          <p:cNvPr id="5" name="內容版面配置區 4"/>
-          <p:cNvSpPr>
-            <a:spLocks noGrp="1"/>
-          </p:cNvSpPr>
-          <p:nvPr>
-            <p:ph idx="1"/>
-          </p:nvPr>
-        </p:nvSpPr>
-        <p:spPr/>
-        <p:txBody>
-          <a:bodyPr>
-            <a:normAutofit/>
-          </a:bodyPr>
-          <a:lstStyle/>
-          <a:p>
-            <a:pPr algn="ctr">
-              <a:buNone/>
-            </a:pPr>
-            <a:r>
-              <a:rPr lang="zh-TW" altLang="en-US" sz="6000" b="1" dirty="0">
-                <a:latin typeface="Microsoft JhengHei" panose="020B0604030504040204" pitchFamily="34" charset="-120"/>
-                <a:ea typeface="Microsoft JhengHei" panose="020B0604030504040204" pitchFamily="34" charset="-120"/>
-              </a:rPr>
-              <a:t>不知何以因信得救</a:t>
-            </a:r>
-          </a:p>
-          <a:p>
-            <a:pPr algn="ctr">
-              <a:buNone/>
-            </a:pPr>
-            <a:r>
-              <a:rPr lang="zh-TW" altLang="en-US" sz="6000" b="1" dirty="0">
-                <a:latin typeface="Microsoft JhengHei" panose="020B0604030504040204" pitchFamily="34" charset="-120"/>
-                <a:ea typeface="Microsoft JhengHei" panose="020B0604030504040204" pitchFamily="34" charset="-120"/>
-              </a:rPr>
-              <a:t>恩門向我放開</a:t>
-            </a:r>
-          </a:p>
-          <a:p>
-            <a:pPr algn="ctr">
-              <a:buNone/>
-            </a:pPr>
-            <a:r>
-              <a:rPr lang="zh-TW" altLang="en-US" sz="6000" b="1" dirty="0">
-                <a:latin typeface="Microsoft JhengHei" panose="020B0604030504040204" pitchFamily="34" charset="-120"/>
-                <a:ea typeface="Microsoft JhengHei" panose="020B0604030504040204" pitchFamily="34" charset="-120"/>
-              </a:rPr>
-              <a:t>不知何以一信主話</a:t>
-            </a:r>
-          </a:p>
-          <a:p>
-            <a:pPr algn="ctr">
-              <a:buNone/>
-            </a:pPr>
-            <a:r>
-              <a:rPr lang="zh-TW" altLang="en-US" sz="6000" b="1" dirty="0">
-                <a:latin typeface="Microsoft JhengHei" panose="020B0604030504040204" pitchFamily="34" charset="-120"/>
-                <a:ea typeface="Microsoft JhengHei" panose="020B0604030504040204" pitchFamily="34" charset="-120"/>
-              </a:rPr>
-              <a:t>平安便滿</a:t>
-            </a:r>
-            <a:r>
-              <a:rPr lang="zh-CN" altLang="en-US" sz="6000" b="1" dirty="0">
-                <a:latin typeface="Microsoft JhengHei" panose="020B0604030504040204" pitchFamily="34" charset="-120"/>
-                <a:ea typeface="Microsoft JhengHei" panose="020B0604030504040204" pitchFamily="34" charset="-120"/>
-              </a:rPr>
-              <a:t>心懷</a:t>
-            </a:r>
-            <a:endParaRPr lang="zh-TW" altLang="en-US" sz="6000" b="1" dirty="0">
-              <a:latin typeface="Microsoft JhengHei" panose="020B0604030504040204" pitchFamily="34" charset="-120"/>
-              <a:ea typeface="Microsoft JhengHei" panose="020B0604030504040204" pitchFamily="34" charset="-120"/>
-            </a:endParaRPr>
-          </a:p>
-        </p:txBody>
-      </p:sp>
-      <p:sp>
-        <p:nvSpPr>
-          <p:cNvPr id="6" name="TextBox 5"/>
+          <p:cNvPr id="3" name="TextBox 2"/>
           <p:cNvSpPr txBox="1"/>
           <p:nvPr/>
         </p:nvSpPr>
         <p:spPr>
           <a:xfrm>
-            <a:off x="1559496" y="1600201"/>
-            <a:ext cx="936104" cy="1107996"/>
+            <a:off x="0" y="5076570"/>
+            <a:ext cx="12192000" cy="830997"/>
           </a:xfrm>
           <a:prstGeom prst="rect">
             <a:avLst/>
@@ -3654,28 +4935,45 @@
           <a:noFill/>
         </p:spPr>
         <p:txBody>
-          <a:bodyPr wrap="square" rtlCol="0">
+          <a:bodyPr wrap="square" rtlCol="0" anchor="ctr">
             <a:spAutoFit/>
           </a:bodyPr>
           <a:lstStyle/>
           <a:p>
-            <a:r>
-              <a:rPr lang="en-US" sz="6600" b="1" dirty="0"/>
-              <a:t>2</a:t>
-            </a:r>
-            <a:r>
-              <a:rPr lang="en-US" sz="6600" b="1" dirty="0" smtClean="0"/>
-              <a:t>.</a:t>
-            </a:r>
-            <a:endParaRPr lang="vi-VN" sz="6600" b="1" dirty="0"/>
+            <a:pPr algn="ctr"/>
+            <a:r>
+              <a:rPr lang="en-US" sz="4800" b="1" dirty="0">
+                <a:solidFill>
+                  <a:srgbClr val="000066"/>
+                </a:solidFill>
+              </a:rPr>
+              <a:t>( 1 )</a:t>
+            </a:r>
+            <a:endParaRPr lang="vi-VN" sz="4800" b="1" dirty="0">
+              <a:solidFill>
+                <a:srgbClr val="000066"/>
+              </a:solidFill>
+            </a:endParaRPr>
           </a:p>
         </p:txBody>
       </p:sp>
     </p:spTree>
+    <p:extLst>
+      <p:ext uri="{BB962C8B-B14F-4D97-AF65-F5344CB8AC3E}">
+        <p14:creationId xmlns:p14="http://schemas.microsoft.com/office/powerpoint/2010/main" val="1568202708"/>
+      </p:ext>
+    </p:extLst>
   </p:cSld>
   <p:clrMapOvr>
     <a:masterClrMapping/>
   </p:clrMapOvr>
+  <p:timing>
+    <p:tnLst>
+      <p:par>
+        <p:cTn id="1" dur="indefinite" restart="never" nodeType="tmRoot"/>
+      </p:par>
+    </p:tnLst>
+  </p:timing>
 </p:sld>
 </file>
 
@@ -3698,57 +4996,34 @@
       </p:grpSpPr>
       <p:sp>
         <p:nvSpPr>
-          <p:cNvPr id="4" name="標題 3"/>
-          <p:cNvSpPr>
-            <a:spLocks noGrp="1"/>
-          </p:cNvSpPr>
-          <p:nvPr>
-            <p:ph type="title"/>
-          </p:nvPr>
-        </p:nvSpPr>
-        <p:spPr/>
-        <p:txBody>
-          <a:bodyPr>
+          <p:cNvPr id="5" name="內容版面配置區 4"/>
+          <p:cNvSpPr>
+            <a:spLocks noGrp="1"/>
+          </p:cNvSpPr>
+          <p:nvPr>
+            <p:ph idx="1"/>
+          </p:nvPr>
+        </p:nvSpPr>
+        <p:spPr>
+          <a:xfrm>
+            <a:off x="0" y="2084851"/>
+            <a:ext cx="12192000" cy="2404863"/>
+          </a:xfrm>
+        </p:spPr>
+        <p:txBody>
+          <a:bodyPr anchor="ctr">
             <a:normAutofit/>
           </a:bodyPr>
           <a:lstStyle/>
           <a:p>
-            <a:r>
-              <a:rPr lang="zh-CN" altLang="en-US" sz="5400" b="1" dirty="0">
-                <a:latin typeface="Microsoft JhengHei" panose="020B0604030504040204" pitchFamily="34" charset="-120"/>
-                <a:ea typeface="Microsoft JhengHei" panose="020B0604030504040204" pitchFamily="34" charset="-120"/>
-              </a:rPr>
-              <a:t>我知所信是誰</a:t>
-            </a:r>
-            <a:endParaRPr lang="zh-TW" altLang="en-US" sz="5400" b="1" dirty="0">
-              <a:latin typeface="Microsoft JhengHei" panose="020B0604030504040204" pitchFamily="34" charset="-120"/>
-              <a:ea typeface="Microsoft JhengHei" panose="020B0604030504040204" pitchFamily="34" charset="-120"/>
-            </a:endParaRPr>
-          </a:p>
-        </p:txBody>
-      </p:sp>
-      <p:sp>
-        <p:nvSpPr>
-          <p:cNvPr id="5" name="內容版面配置區 4"/>
-          <p:cNvSpPr>
-            <a:spLocks noGrp="1"/>
-          </p:cNvSpPr>
-          <p:nvPr>
-            <p:ph idx="1"/>
-          </p:nvPr>
-        </p:nvSpPr>
-        <p:spPr/>
-        <p:txBody>
-          <a:bodyPr>
-            <a:normAutofit/>
-          </a:bodyPr>
-          <a:lstStyle/>
-          <a:p>
             <a:pPr algn="ctr">
               <a:buNone/>
             </a:pPr>
             <a:r>
-              <a:rPr lang="zh-TW" altLang="en-US" sz="6000" b="1" dirty="0">
+              <a:rPr lang="zh-TW" altLang="en-US" sz="6400" b="1" dirty="0">
+                <a:solidFill>
+                  <a:srgbClr val="000066"/>
+                </a:solidFill>
                 <a:latin typeface="Microsoft JhengHei" panose="020B0604030504040204" pitchFamily="34" charset="-120"/>
                 <a:ea typeface="Microsoft JhengHei" panose="020B0604030504040204" pitchFamily="34" charset="-120"/>
               </a:rPr>
@@ -3760,44 +5035,42 @@
               <a:buNone/>
             </a:pPr>
             <a:r>
-              <a:rPr lang="zh-TW" altLang="en-US" sz="6000" b="1" dirty="0">
+              <a:rPr lang="zh-TW" altLang="en-US" sz="6400" b="1" dirty="0">
+                <a:solidFill>
+                  <a:srgbClr val="000066"/>
+                </a:solidFill>
                 <a:latin typeface="Microsoft JhengHei" panose="020B0604030504040204" pitchFamily="34" charset="-120"/>
                 <a:ea typeface="Microsoft JhengHei" panose="020B0604030504040204" pitchFamily="34" charset="-120"/>
               </a:rPr>
               <a:t>也深信主能保守我交付</a:t>
             </a:r>
-          </a:p>
-          <a:p>
-            <a:pPr algn="ctr">
-              <a:buNone/>
-            </a:pPr>
-            <a:r>
-              <a:rPr lang="zh-TW" altLang="en-US" sz="6000" b="1" dirty="0">
-                <a:latin typeface="Microsoft JhengHei" panose="020B0604030504040204" pitchFamily="34" charset="-120"/>
-                <a:ea typeface="Microsoft JhengHei" panose="020B0604030504040204" pitchFamily="34" charset="-120"/>
-              </a:rPr>
-              <a:t>與主的並主託我的</a:t>
-            </a:r>
-          </a:p>
-          <a:p>
-            <a:pPr algn="ctr">
-              <a:buNone/>
-            </a:pPr>
-            <a:r>
-              <a:rPr lang="zh-TW" altLang="en-US" sz="6000" b="1" dirty="0">
-                <a:latin typeface="Microsoft JhengHei" panose="020B0604030504040204" pitchFamily="34" charset="-120"/>
-                <a:ea typeface="Microsoft JhengHei" panose="020B0604030504040204" pitchFamily="34" charset="-120"/>
-              </a:rPr>
-              <a:t>都全備直到那日</a:t>
-            </a:r>
+            <a:endParaRPr lang="zh-TW" altLang="en-US" sz="6400" b="1" dirty="0">
+              <a:solidFill>
+                <a:srgbClr val="000066"/>
+              </a:solidFill>
+              <a:latin typeface="Microsoft JhengHei" panose="020B0604030504040204" pitchFamily="34" charset="-120"/>
+              <a:ea typeface="Microsoft JhengHei" panose="020B0604030504040204" pitchFamily="34" charset="-120"/>
+            </a:endParaRPr>
           </a:p>
         </p:txBody>
       </p:sp>
     </p:spTree>
+    <p:extLst>
+      <p:ext uri="{BB962C8B-B14F-4D97-AF65-F5344CB8AC3E}">
+        <p14:creationId xmlns:p14="http://schemas.microsoft.com/office/powerpoint/2010/main" val="2749555306"/>
+      </p:ext>
+    </p:extLst>
   </p:cSld>
   <p:clrMapOvr>
     <a:masterClrMapping/>
   </p:clrMapOvr>
+  <p:timing>
+    <p:tnLst>
+      <p:par>
+        <p:cTn id="1" dur="indefinite" restart="never" nodeType="tmRoot"/>
+      </p:par>
+    </p:tnLst>
+  </p:timing>
 </p:sld>
 </file>
 
@@ -3820,140 +5093,81 @@
       </p:grpSpPr>
       <p:sp>
         <p:nvSpPr>
-          <p:cNvPr id="4" name="標題 3"/>
-          <p:cNvSpPr>
-            <a:spLocks noGrp="1"/>
-          </p:cNvSpPr>
-          <p:nvPr>
-            <p:ph type="title"/>
-          </p:nvPr>
-        </p:nvSpPr>
-        <p:spPr/>
-        <p:txBody>
-          <a:bodyPr>
+          <p:cNvPr id="5" name="內容版面配置區 4"/>
+          <p:cNvSpPr>
+            <a:spLocks noGrp="1"/>
+          </p:cNvSpPr>
+          <p:nvPr>
+            <p:ph idx="1"/>
+          </p:nvPr>
+        </p:nvSpPr>
+        <p:spPr>
+          <a:xfrm>
+            <a:off x="0" y="2084851"/>
+            <a:ext cx="12192000" cy="2404863"/>
+          </a:xfrm>
+        </p:spPr>
+        <p:txBody>
+          <a:bodyPr anchor="ctr">
             <a:normAutofit/>
           </a:bodyPr>
           <a:lstStyle/>
           <a:p>
-            <a:r>
-              <a:rPr lang="zh-CN" altLang="en-US" sz="5400" b="1" dirty="0">
+            <a:pPr algn="ctr">
+              <a:buNone/>
+            </a:pPr>
+            <a:r>
+              <a:rPr lang="zh-TW" altLang="en-US" sz="6400" b="1" dirty="0">
+                <a:solidFill>
+                  <a:srgbClr val="000066"/>
+                </a:solidFill>
                 <a:latin typeface="Microsoft JhengHei" panose="020B0604030504040204" pitchFamily="34" charset="-120"/>
                 <a:ea typeface="Microsoft JhengHei" panose="020B0604030504040204" pitchFamily="34" charset="-120"/>
               </a:rPr>
-              <a:t>我知所信是誰</a:t>
-            </a:r>
-            <a:endParaRPr lang="zh-TW" altLang="en-US" sz="5400" b="1" dirty="0">
+              <a:t>與主的並主託我的</a:t>
+            </a:r>
+          </a:p>
+          <a:p>
+            <a:pPr algn="ctr">
+              <a:buNone/>
+            </a:pPr>
+            <a:r>
+              <a:rPr lang="zh-TW" altLang="en-US" sz="6400" b="1" dirty="0">
+                <a:solidFill>
+                  <a:srgbClr val="000066"/>
+                </a:solidFill>
+                <a:latin typeface="Microsoft JhengHei" panose="020B0604030504040204" pitchFamily="34" charset="-120"/>
+                <a:ea typeface="Microsoft JhengHei" panose="020B0604030504040204" pitchFamily="34" charset="-120"/>
+              </a:rPr>
+              <a:t>都全備直到那日</a:t>
+            </a:r>
+            <a:endParaRPr lang="zh-TW" altLang="en-US" sz="6400" b="1" dirty="0">
+              <a:solidFill>
+                <a:srgbClr val="000066"/>
+              </a:solidFill>
               <a:latin typeface="Microsoft JhengHei" panose="020B0604030504040204" pitchFamily="34" charset="-120"/>
               <a:ea typeface="Microsoft JhengHei" panose="020B0604030504040204" pitchFamily="34" charset="-120"/>
             </a:endParaRPr>
           </a:p>
         </p:txBody>
       </p:sp>
-      <p:sp>
-        <p:nvSpPr>
-          <p:cNvPr id="5" name="內容版面配置區 4"/>
-          <p:cNvSpPr>
-            <a:spLocks noGrp="1"/>
-          </p:cNvSpPr>
-          <p:nvPr>
-            <p:ph idx="1"/>
-          </p:nvPr>
-        </p:nvSpPr>
-        <p:spPr/>
-        <p:txBody>
-          <a:bodyPr>
-            <a:normAutofit/>
-          </a:bodyPr>
-          <a:lstStyle/>
-          <a:p>
-            <a:pPr algn="ctr">
-              <a:buNone/>
-            </a:pPr>
-            <a:r>
-              <a:rPr lang="zh-TW" altLang="en-US" sz="6000" b="1" dirty="0">
-                <a:latin typeface="Microsoft JhengHei" panose="020B0604030504040204" pitchFamily="34" charset="-120"/>
-                <a:ea typeface="Microsoft JhengHei" panose="020B0604030504040204" pitchFamily="34" charset="-120"/>
-              </a:rPr>
-              <a:t>不知如何聖靈感動</a:t>
-            </a:r>
-          </a:p>
-          <a:p>
-            <a:pPr algn="ctr">
-              <a:buNone/>
-            </a:pPr>
-            <a:r>
-              <a:rPr lang="zh-TW" altLang="en-US" sz="6000" b="1" dirty="0">
-                <a:latin typeface="Microsoft JhengHei" panose="020B0604030504040204" pitchFamily="34" charset="-120"/>
-                <a:ea typeface="Microsoft JhengHei" panose="020B0604030504040204" pitchFamily="34" charset="-120"/>
-              </a:rPr>
-              <a:t>使人知己罪污</a:t>
-            </a:r>
-          </a:p>
-          <a:p>
-            <a:pPr algn="ctr">
-              <a:buNone/>
-            </a:pPr>
-            <a:r>
-              <a:rPr lang="zh-TW" altLang="en-US" sz="6000" b="1" dirty="0">
-                <a:latin typeface="Microsoft JhengHei" panose="020B0604030504040204" pitchFamily="34" charset="-120"/>
-                <a:ea typeface="Microsoft JhengHei" panose="020B0604030504040204" pitchFamily="34" charset="-120"/>
-              </a:rPr>
-              <a:t>由聖經中顯明耶穌</a:t>
-            </a:r>
-          </a:p>
-          <a:p>
-            <a:pPr algn="ctr">
-              <a:buNone/>
-            </a:pPr>
-            <a:r>
-              <a:rPr lang="zh-TW" altLang="en-US" sz="6000" b="1" dirty="0">
-                <a:latin typeface="Microsoft JhengHei" panose="020B0604030504040204" pitchFamily="34" charset="-120"/>
-                <a:ea typeface="Microsoft JhengHei" panose="020B0604030504040204" pitchFamily="34" charset="-120"/>
-              </a:rPr>
-              <a:t>引人信靠救主</a:t>
-            </a:r>
-          </a:p>
-        </p:txBody>
-      </p:sp>
-      <p:sp>
-        <p:nvSpPr>
-          <p:cNvPr id="6" name="TextBox 5"/>
-          <p:cNvSpPr txBox="1"/>
-          <p:nvPr/>
-        </p:nvSpPr>
-        <p:spPr>
-          <a:xfrm>
-            <a:off x="1559496" y="1600201"/>
-            <a:ext cx="936104" cy="1107996"/>
-          </a:xfrm>
-          <a:prstGeom prst="rect">
-            <a:avLst/>
-          </a:prstGeom>
-          <a:noFill/>
-        </p:spPr>
-        <p:txBody>
-          <a:bodyPr wrap="square" rtlCol="0">
-            <a:spAutoFit/>
-          </a:bodyPr>
-          <a:lstStyle/>
-          <a:p>
-            <a:r>
-              <a:rPr lang="en-US" sz="6600" b="1" dirty="0"/>
-              <a:t>3</a:t>
-            </a:r>
-            <a:r>
-              <a:rPr lang="en-US" sz="6600" b="1" dirty="0" smtClean="0"/>
-              <a:t>.</a:t>
-            </a:r>
-            <a:endParaRPr lang="vi-VN" sz="6600" b="1" dirty="0"/>
-          </a:p>
-        </p:txBody>
-      </p:sp>
     </p:spTree>
+    <p:extLst>
+      <p:ext uri="{BB962C8B-B14F-4D97-AF65-F5344CB8AC3E}">
+        <p14:creationId xmlns:p14="http://schemas.microsoft.com/office/powerpoint/2010/main" val="3359334672"/>
+      </p:ext>
+    </p:extLst>
   </p:cSld>
   <p:clrMapOvr>
     <a:masterClrMapping/>
   </p:clrMapOvr>
+  <p:timing>
+    <p:tnLst>
+      <p:par>
+        <p:cTn id="1" dur="indefinite" restart="never" nodeType="tmRoot"/>
+      </p:par>
+    </p:tnLst>
+  </p:timing>
 </p:sld>
 </file>
 
@@ -3976,29 +5190,58 @@
       </p:grpSpPr>
       <p:sp>
         <p:nvSpPr>
-          <p:cNvPr id="4" name="標題 3"/>
-          <p:cNvSpPr>
-            <a:spLocks noGrp="1"/>
-          </p:cNvSpPr>
-          <p:nvPr>
-            <p:ph type="title"/>
-          </p:nvPr>
-        </p:nvSpPr>
-        <p:spPr/>
-        <p:txBody>
-          <a:bodyPr>
+          <p:cNvPr id="5" name="內容版面配置區 4"/>
+          <p:cNvSpPr>
+            <a:spLocks noGrp="1"/>
+          </p:cNvSpPr>
+          <p:nvPr>
+            <p:ph idx="1"/>
+          </p:nvPr>
+        </p:nvSpPr>
+        <p:spPr>
+          <a:xfrm>
+            <a:off x="0" y="2084851"/>
+            <a:ext cx="12192000" cy="2404863"/>
+          </a:xfrm>
+        </p:spPr>
+        <p:txBody>
+          <a:bodyPr anchor="ctr">
             <a:normAutofit/>
           </a:bodyPr>
           <a:lstStyle/>
           <a:p>
-            <a:r>
-              <a:rPr lang="zh-CN" altLang="en-US" sz="5400" b="1" dirty="0">
+            <a:pPr algn="ctr">
+              <a:buNone/>
+            </a:pPr>
+            <a:r>
+              <a:rPr lang="zh-TW" altLang="en-US" sz="6400" b="1" dirty="0">
+                <a:solidFill>
+                  <a:srgbClr val="000066"/>
+                </a:solidFill>
                 <a:latin typeface="Microsoft JhengHei" panose="020B0604030504040204" pitchFamily="34" charset="-120"/>
                 <a:ea typeface="Microsoft JhengHei" panose="020B0604030504040204" pitchFamily="34" charset="-120"/>
               </a:rPr>
-              <a:t>我知所信是誰</a:t>
-            </a:r>
-            <a:endParaRPr lang="zh-TW" altLang="en-US" sz="5400" b="1" dirty="0">
+              <a:t>不知何以因信得救</a:t>
+            </a:r>
+          </a:p>
+          <a:p>
+            <a:pPr algn="ctr">
+              <a:buNone/>
+            </a:pPr>
+            <a:r>
+              <a:rPr lang="zh-TW" altLang="en-US" sz="6400" b="1" dirty="0">
+                <a:solidFill>
+                  <a:srgbClr val="000066"/>
+                </a:solidFill>
+                <a:latin typeface="Microsoft JhengHei" panose="020B0604030504040204" pitchFamily="34" charset="-120"/>
+                <a:ea typeface="Microsoft JhengHei" panose="020B0604030504040204" pitchFamily="34" charset="-120"/>
+              </a:rPr>
+              <a:t>恩門向我放開</a:t>
+            </a:r>
+            <a:endParaRPr lang="zh-TW" altLang="en-US" sz="6400" b="1" dirty="0">
+              <a:solidFill>
+                <a:srgbClr val="000066"/>
+              </a:solidFill>
               <a:latin typeface="Microsoft JhengHei" panose="020B0604030504040204" pitchFamily="34" charset="-120"/>
               <a:ea typeface="Microsoft JhengHei" panose="020B0604030504040204" pitchFamily="34" charset="-120"/>
             </a:endParaRPr>
@@ -4007,75 +5250,60 @@
       </p:sp>
       <p:sp>
         <p:nvSpPr>
-          <p:cNvPr id="5" name="內容版面配置區 4"/>
-          <p:cNvSpPr>
-            <a:spLocks noGrp="1"/>
-          </p:cNvSpPr>
-          <p:nvPr>
-            <p:ph idx="1"/>
-          </p:nvPr>
-        </p:nvSpPr>
-        <p:spPr/>
-        <p:txBody>
-          <a:bodyPr>
-            <a:normAutofit/>
+          <p:cNvPr id="3" name="TextBox 2"/>
+          <p:cNvSpPr txBox="1"/>
+          <p:nvPr/>
+        </p:nvSpPr>
+        <p:spPr>
+          <a:xfrm>
+            <a:off x="0" y="5076570"/>
+            <a:ext cx="12192000" cy="830997"/>
+          </a:xfrm>
+          <a:prstGeom prst="rect">
+            <a:avLst/>
+          </a:prstGeom>
+          <a:noFill/>
+        </p:spPr>
+        <p:txBody>
+          <a:bodyPr wrap="square" rtlCol="0" anchor="ctr">
+            <a:spAutoFit/>
           </a:bodyPr>
           <a:lstStyle/>
           <a:p>
-            <a:pPr algn="ctr">
-              <a:buNone/>
-            </a:pPr>
-            <a:r>
-              <a:rPr lang="zh-TW" altLang="en-US" sz="6000" b="1" dirty="0">
-                <a:latin typeface="Microsoft JhengHei" panose="020B0604030504040204" pitchFamily="34" charset="-120"/>
-                <a:ea typeface="Microsoft JhengHei" panose="020B0604030504040204" pitchFamily="34" charset="-120"/>
+            <a:pPr algn="ctr"/>
+            <a:r>
+              <a:rPr lang="en-US" sz="4800" b="1" dirty="0">
+                <a:solidFill>
+                  <a:srgbClr val="000066"/>
+                </a:solidFill>
               </a:rPr>
-              <a:t>惟我深知所信的是誰</a:t>
-            </a:r>
-          </a:p>
-          <a:p>
-            <a:pPr algn="ctr">
-              <a:buNone/>
-            </a:pPr>
-            <a:r>
-              <a:rPr lang="zh-TW" altLang="en-US" sz="6000" b="1" dirty="0">
-                <a:latin typeface="Microsoft JhengHei" panose="020B0604030504040204" pitchFamily="34" charset="-120"/>
-                <a:ea typeface="Microsoft JhengHei" panose="020B0604030504040204" pitchFamily="34" charset="-120"/>
-              </a:rPr>
-              <a:t>也深信主能保守我交付</a:t>
-            </a:r>
-          </a:p>
-          <a:p>
-            <a:pPr algn="ctr">
-              <a:buNone/>
-            </a:pPr>
-            <a:r>
-              <a:rPr lang="zh-TW" altLang="en-US" sz="6000" b="1" dirty="0">
-                <a:latin typeface="Microsoft JhengHei" panose="020B0604030504040204" pitchFamily="34" charset="-120"/>
-                <a:ea typeface="Microsoft JhengHei" panose="020B0604030504040204" pitchFamily="34" charset="-120"/>
-              </a:rPr>
-              <a:t>與主的並主託我的</a:t>
-            </a:r>
-          </a:p>
-          <a:p>
-            <a:pPr algn="ctr">
-              <a:buNone/>
-            </a:pPr>
-            <a:r>
-              <a:rPr lang="zh-TW" altLang="en-US" sz="6000" b="1" dirty="0">
-                <a:latin typeface="Microsoft JhengHei" panose="020B0604030504040204" pitchFamily="34" charset="-120"/>
-                <a:ea typeface="Microsoft JhengHei" panose="020B0604030504040204" pitchFamily="34" charset="-120"/>
-              </a:rPr>
-              <a:t>都全備直到那日</a:t>
-            </a:r>
+              <a:t>( 2 )</a:t>
+            </a:r>
+            <a:endParaRPr lang="vi-VN" sz="4800" b="1" dirty="0">
+              <a:solidFill>
+                <a:srgbClr val="000066"/>
+              </a:solidFill>
+            </a:endParaRPr>
           </a:p>
         </p:txBody>
       </p:sp>
     </p:spTree>
+    <p:extLst>
+      <p:ext uri="{BB962C8B-B14F-4D97-AF65-F5344CB8AC3E}">
+        <p14:creationId xmlns:p14="http://schemas.microsoft.com/office/powerpoint/2010/main" val="930580791"/>
+      </p:ext>
+    </p:extLst>
   </p:cSld>
   <p:clrMapOvr>
     <a:masterClrMapping/>
   </p:clrMapOvr>
+  <p:timing>
+    <p:tnLst>
+      <p:par>
+        <p:cTn id="1" dur="indefinite" restart="never" nodeType="tmRoot"/>
+      </p:par>
+    </p:tnLst>
+  </p:timing>
 </p:sld>
 </file>
 
@@ -4098,29 +5326,68 @@
       </p:grpSpPr>
       <p:sp>
         <p:nvSpPr>
-          <p:cNvPr id="4" name="標題 3"/>
-          <p:cNvSpPr>
-            <a:spLocks noGrp="1"/>
-          </p:cNvSpPr>
-          <p:nvPr>
-            <p:ph type="title"/>
-          </p:nvPr>
-        </p:nvSpPr>
-        <p:spPr/>
-        <p:txBody>
-          <a:bodyPr>
+          <p:cNvPr id="5" name="內容版面配置區 4"/>
+          <p:cNvSpPr>
+            <a:spLocks noGrp="1"/>
+          </p:cNvSpPr>
+          <p:nvPr>
+            <p:ph idx="1"/>
+          </p:nvPr>
+        </p:nvSpPr>
+        <p:spPr>
+          <a:xfrm>
+            <a:off x="0" y="2084851"/>
+            <a:ext cx="12192000" cy="2404863"/>
+          </a:xfrm>
+        </p:spPr>
+        <p:txBody>
+          <a:bodyPr anchor="ctr">
             <a:normAutofit/>
           </a:bodyPr>
           <a:lstStyle/>
           <a:p>
-            <a:r>
-              <a:rPr lang="zh-CN" altLang="en-US" sz="5400" b="1" dirty="0">
+            <a:pPr algn="ctr">
+              <a:buNone/>
+            </a:pPr>
+            <a:r>
+              <a:rPr lang="zh-TW" altLang="en-US" sz="6400" b="1" dirty="0">
+                <a:solidFill>
+                  <a:srgbClr val="000066"/>
+                </a:solidFill>
                 <a:latin typeface="Microsoft JhengHei" panose="020B0604030504040204" pitchFamily="34" charset="-120"/>
                 <a:ea typeface="Microsoft JhengHei" panose="020B0604030504040204" pitchFamily="34" charset="-120"/>
               </a:rPr>
-              <a:t>我知所信是誰</a:t>
-            </a:r>
-            <a:endParaRPr lang="zh-TW" altLang="en-US" sz="5400" b="1" dirty="0">
+              <a:t>不知何以一信主話</a:t>
+            </a:r>
+          </a:p>
+          <a:p>
+            <a:pPr algn="ctr">
+              <a:buNone/>
+            </a:pPr>
+            <a:r>
+              <a:rPr lang="zh-TW" altLang="en-US" sz="6400" b="1" dirty="0">
+                <a:solidFill>
+                  <a:srgbClr val="000066"/>
+                </a:solidFill>
+                <a:latin typeface="Microsoft JhengHei" panose="020B0604030504040204" pitchFamily="34" charset="-120"/>
+                <a:ea typeface="Microsoft JhengHei" panose="020B0604030504040204" pitchFamily="34" charset="-120"/>
+              </a:rPr>
+              <a:t>平安便滿</a:t>
+            </a:r>
+            <a:r>
+              <a:rPr lang="zh-CN" altLang="en-US" sz="6400" b="1" dirty="0">
+                <a:solidFill>
+                  <a:srgbClr val="000066"/>
+                </a:solidFill>
+                <a:latin typeface="Microsoft JhengHei" panose="020B0604030504040204" pitchFamily="34" charset="-120"/>
+                <a:ea typeface="Microsoft JhengHei" panose="020B0604030504040204" pitchFamily="34" charset="-120"/>
+              </a:rPr>
+              <a:t>心懷</a:t>
+            </a:r>
+            <a:endParaRPr lang="zh-TW" altLang="en-US" sz="6400" b="1" dirty="0">
+              <a:solidFill>
+                <a:srgbClr val="000066"/>
+              </a:solidFill>
               <a:latin typeface="Microsoft JhengHei" panose="020B0604030504040204" pitchFamily="34" charset="-120"/>
               <a:ea typeface="Microsoft JhengHei" panose="020B0604030504040204" pitchFamily="34" charset="-120"/>
             </a:endParaRPr>
@@ -4129,80 +5396,14 @@
       </p:sp>
       <p:sp>
         <p:nvSpPr>
-          <p:cNvPr id="5" name="內容版面配置區 4"/>
-          <p:cNvSpPr>
-            <a:spLocks noGrp="1"/>
-          </p:cNvSpPr>
-          <p:nvPr>
-            <p:ph idx="1"/>
-          </p:nvPr>
-        </p:nvSpPr>
-        <p:spPr/>
-        <p:txBody>
-          <a:bodyPr>
-            <a:normAutofit/>
-          </a:bodyPr>
-          <a:lstStyle/>
-          <a:p>
-            <a:pPr algn="ctr">
-              <a:buNone/>
-            </a:pPr>
-            <a:r>
-              <a:rPr lang="zh-TW" altLang="en-US" sz="6000" b="1" dirty="0">
-                <a:latin typeface="Microsoft JhengHei" panose="020B0604030504040204" pitchFamily="34" charset="-120"/>
-                <a:ea typeface="Microsoft JhengHei" panose="020B0604030504040204" pitchFamily="34" charset="-120"/>
-              </a:rPr>
-              <a:t>不知明日將遇何事</a:t>
-            </a:r>
-          </a:p>
-          <a:p>
-            <a:pPr algn="ctr">
-              <a:buNone/>
-            </a:pPr>
-            <a:r>
-              <a:rPr lang="zh-TW" altLang="en-US" sz="6000" b="1" dirty="0">
-                <a:latin typeface="Microsoft JhengHei" panose="020B0604030504040204" pitchFamily="34" charset="-120"/>
-                <a:ea typeface="Microsoft JhengHei" panose="020B0604030504040204" pitchFamily="34" charset="-120"/>
-              </a:rPr>
-              <a:t>前途或順或逆</a:t>
-            </a:r>
-          </a:p>
-          <a:p>
-            <a:pPr algn="ctr">
-              <a:buNone/>
-            </a:pPr>
-            <a:r>
-              <a:rPr lang="zh-TW" altLang="en-US" sz="6000" b="1" dirty="0">
-                <a:latin typeface="Microsoft JhengHei" panose="020B0604030504040204" pitchFamily="34" charset="-120"/>
-                <a:ea typeface="Microsoft JhengHei" panose="020B0604030504040204" pitchFamily="34" charset="-120"/>
-              </a:rPr>
-              <a:t>但主慈愛永不更改</a:t>
-            </a:r>
-          </a:p>
-          <a:p>
-            <a:pPr algn="ctr">
-              <a:buNone/>
-            </a:pPr>
-            <a:r>
-              <a:rPr lang="zh-TW" altLang="en-US" sz="6000" b="1" dirty="0">
-                <a:latin typeface="Microsoft JhengHei" panose="020B0604030504040204" pitchFamily="34" charset="-120"/>
-                <a:ea typeface="Microsoft JhengHei" panose="020B0604030504040204" pitchFamily="34" charset="-120"/>
-              </a:rPr>
-              <a:t>主必看顧到底</a:t>
-            </a:r>
-          </a:p>
-        </p:txBody>
-      </p:sp>
-      <p:sp>
-        <p:nvSpPr>
-          <p:cNvPr id="6" name="TextBox 5"/>
+          <p:cNvPr id="3" name="TextBox 2"/>
           <p:cNvSpPr txBox="1"/>
           <p:nvPr/>
         </p:nvSpPr>
         <p:spPr>
           <a:xfrm>
-            <a:off x="1559496" y="1600201"/>
-            <a:ext cx="936104" cy="1107996"/>
+            <a:off x="0" y="5076570"/>
+            <a:ext cx="12192000" cy="830997"/>
           </a:xfrm>
           <a:prstGeom prst="rect">
             <a:avLst/>
@@ -4210,28 +5411,45 @@
           <a:noFill/>
         </p:spPr>
         <p:txBody>
-          <a:bodyPr wrap="square" rtlCol="0">
+          <a:bodyPr wrap="square" rtlCol="0" anchor="ctr">
             <a:spAutoFit/>
           </a:bodyPr>
           <a:lstStyle/>
           <a:p>
-            <a:r>
-              <a:rPr lang="en-US" sz="6600" b="1" dirty="0"/>
-              <a:t>4</a:t>
-            </a:r>
-            <a:r>
-              <a:rPr lang="en-US" sz="6600" b="1" dirty="0" smtClean="0"/>
-              <a:t>.</a:t>
-            </a:r>
-            <a:endParaRPr lang="vi-VN" sz="6600" b="1" dirty="0"/>
+            <a:pPr algn="ctr"/>
+            <a:r>
+              <a:rPr lang="en-US" sz="4800" b="1" dirty="0">
+                <a:solidFill>
+                  <a:srgbClr val="000066"/>
+                </a:solidFill>
+              </a:rPr>
+              <a:t>( 2 )</a:t>
+            </a:r>
+            <a:endParaRPr lang="vi-VN" sz="4800" b="1" dirty="0">
+              <a:solidFill>
+                <a:srgbClr val="000066"/>
+              </a:solidFill>
+            </a:endParaRPr>
           </a:p>
         </p:txBody>
       </p:sp>
     </p:spTree>
+    <p:extLst>
+      <p:ext uri="{BB962C8B-B14F-4D97-AF65-F5344CB8AC3E}">
+        <p14:creationId xmlns:p14="http://schemas.microsoft.com/office/powerpoint/2010/main" val="1148739595"/>
+      </p:ext>
+    </p:extLst>
   </p:cSld>
   <p:clrMapOvr>
     <a:masterClrMapping/>
   </p:clrMapOvr>
+  <p:timing>
+    <p:tnLst>
+      <p:par>
+        <p:cTn id="1" dur="indefinite" restart="never" nodeType="tmRoot"/>
+      </p:par>
+    </p:tnLst>
+  </p:timing>
 </p:sld>
 </file>
 
@@ -4254,57 +5472,34 @@
       </p:grpSpPr>
       <p:sp>
         <p:nvSpPr>
-          <p:cNvPr id="4" name="標題 3"/>
-          <p:cNvSpPr>
-            <a:spLocks noGrp="1"/>
-          </p:cNvSpPr>
-          <p:nvPr>
-            <p:ph type="title"/>
-          </p:nvPr>
-        </p:nvSpPr>
-        <p:spPr/>
-        <p:txBody>
-          <a:bodyPr>
+          <p:cNvPr id="5" name="內容版面配置區 4"/>
+          <p:cNvSpPr>
+            <a:spLocks noGrp="1"/>
+          </p:cNvSpPr>
+          <p:nvPr>
+            <p:ph idx="1"/>
+          </p:nvPr>
+        </p:nvSpPr>
+        <p:spPr>
+          <a:xfrm>
+            <a:off x="0" y="2084851"/>
+            <a:ext cx="12192000" cy="2404863"/>
+          </a:xfrm>
+        </p:spPr>
+        <p:txBody>
+          <a:bodyPr anchor="ctr">
             <a:normAutofit/>
           </a:bodyPr>
           <a:lstStyle/>
           <a:p>
-            <a:r>
-              <a:rPr lang="zh-CN" altLang="en-US" sz="5400" b="1" dirty="0">
-                <a:latin typeface="Microsoft JhengHei" panose="020B0604030504040204" pitchFamily="34" charset="-120"/>
-                <a:ea typeface="Microsoft JhengHei" panose="020B0604030504040204" pitchFamily="34" charset="-120"/>
-              </a:rPr>
-              <a:t>我知所信是誰</a:t>
-            </a:r>
-            <a:endParaRPr lang="zh-TW" altLang="en-US" sz="5400" b="1" dirty="0">
-              <a:latin typeface="Microsoft JhengHei" panose="020B0604030504040204" pitchFamily="34" charset="-120"/>
-              <a:ea typeface="Microsoft JhengHei" panose="020B0604030504040204" pitchFamily="34" charset="-120"/>
-            </a:endParaRPr>
-          </a:p>
-        </p:txBody>
-      </p:sp>
-      <p:sp>
-        <p:nvSpPr>
-          <p:cNvPr id="5" name="內容版面配置區 4"/>
-          <p:cNvSpPr>
-            <a:spLocks noGrp="1"/>
-          </p:cNvSpPr>
-          <p:nvPr>
-            <p:ph idx="1"/>
-          </p:nvPr>
-        </p:nvSpPr>
-        <p:spPr/>
-        <p:txBody>
-          <a:bodyPr>
-            <a:normAutofit/>
-          </a:bodyPr>
-          <a:lstStyle/>
-          <a:p>
             <a:pPr algn="ctr">
               <a:buNone/>
             </a:pPr>
             <a:r>
-              <a:rPr lang="zh-TW" altLang="en-US" sz="6000" b="1" dirty="0">
+              <a:rPr lang="zh-TW" altLang="en-US" sz="6400" b="1" dirty="0">
+                <a:solidFill>
+                  <a:srgbClr val="000066"/>
+                </a:solidFill>
                 <a:latin typeface="Microsoft JhengHei" panose="020B0604030504040204" pitchFamily="34" charset="-120"/>
                 <a:ea typeface="Microsoft JhengHei" panose="020B0604030504040204" pitchFamily="34" charset="-120"/>
               </a:rPr>
@@ -4316,44 +5511,42 @@
               <a:buNone/>
             </a:pPr>
             <a:r>
-              <a:rPr lang="zh-TW" altLang="en-US" sz="6000" b="1" dirty="0">
+              <a:rPr lang="zh-TW" altLang="en-US" sz="6400" b="1" dirty="0">
+                <a:solidFill>
+                  <a:srgbClr val="000066"/>
+                </a:solidFill>
                 <a:latin typeface="Microsoft JhengHei" panose="020B0604030504040204" pitchFamily="34" charset="-120"/>
                 <a:ea typeface="Microsoft JhengHei" panose="020B0604030504040204" pitchFamily="34" charset="-120"/>
               </a:rPr>
               <a:t>也深信主能保守我交付</a:t>
             </a:r>
-          </a:p>
-          <a:p>
-            <a:pPr algn="ctr">
-              <a:buNone/>
-            </a:pPr>
-            <a:r>
-              <a:rPr lang="zh-TW" altLang="en-US" sz="6000" b="1" dirty="0">
-                <a:latin typeface="Microsoft JhengHei" panose="020B0604030504040204" pitchFamily="34" charset="-120"/>
-                <a:ea typeface="Microsoft JhengHei" panose="020B0604030504040204" pitchFamily="34" charset="-120"/>
-              </a:rPr>
-              <a:t>與主的並主託我的</a:t>
-            </a:r>
-          </a:p>
-          <a:p>
-            <a:pPr algn="ctr">
-              <a:buNone/>
-            </a:pPr>
-            <a:r>
-              <a:rPr lang="zh-TW" altLang="en-US" sz="6000" b="1" dirty="0">
-                <a:latin typeface="Microsoft JhengHei" panose="020B0604030504040204" pitchFamily="34" charset="-120"/>
-                <a:ea typeface="Microsoft JhengHei" panose="020B0604030504040204" pitchFamily="34" charset="-120"/>
-              </a:rPr>
-              <a:t>都全備直到那日</a:t>
-            </a:r>
+            <a:endParaRPr lang="zh-TW" altLang="en-US" sz="6400" b="1" dirty="0">
+              <a:solidFill>
+                <a:srgbClr val="000066"/>
+              </a:solidFill>
+              <a:latin typeface="Microsoft JhengHei" panose="020B0604030504040204" pitchFamily="34" charset="-120"/>
+              <a:ea typeface="Microsoft JhengHei" panose="020B0604030504040204" pitchFamily="34" charset="-120"/>
+            </a:endParaRPr>
           </a:p>
         </p:txBody>
       </p:sp>
     </p:spTree>
+    <p:extLst>
+      <p:ext uri="{BB962C8B-B14F-4D97-AF65-F5344CB8AC3E}">
+        <p14:creationId xmlns:p14="http://schemas.microsoft.com/office/powerpoint/2010/main" val="473766119"/>
+      </p:ext>
+    </p:extLst>
   </p:cSld>
   <p:clrMapOvr>
     <a:masterClrMapping/>
   </p:clrMapOvr>
+  <p:timing>
+    <p:tnLst>
+      <p:par>
+        <p:cTn id="1" dur="indefinite" restart="never" nodeType="tmRoot"/>
+      </p:par>
+    </p:tnLst>
+  </p:timing>
 </p:sld>
 </file>
 
@@ -4376,148 +5569,81 @@
       </p:grpSpPr>
       <p:sp>
         <p:nvSpPr>
-          <p:cNvPr id="4" name="標題 3"/>
-          <p:cNvSpPr>
-            <a:spLocks noGrp="1"/>
-          </p:cNvSpPr>
-          <p:nvPr>
-            <p:ph type="title"/>
-          </p:nvPr>
-        </p:nvSpPr>
-        <p:spPr/>
-        <p:txBody>
-          <a:bodyPr>
+          <p:cNvPr id="5" name="內容版面配置區 4"/>
+          <p:cNvSpPr>
+            <a:spLocks noGrp="1"/>
+          </p:cNvSpPr>
+          <p:nvPr>
+            <p:ph idx="1"/>
+          </p:nvPr>
+        </p:nvSpPr>
+        <p:spPr>
+          <a:xfrm>
+            <a:off x="0" y="2084851"/>
+            <a:ext cx="12192000" cy="2404863"/>
+          </a:xfrm>
+        </p:spPr>
+        <p:txBody>
+          <a:bodyPr anchor="ctr">
             <a:normAutofit/>
           </a:bodyPr>
           <a:lstStyle/>
           <a:p>
-            <a:r>
-              <a:rPr lang="zh-CN" altLang="en-US" sz="5400" b="1" dirty="0">
+            <a:pPr algn="ctr">
+              <a:buNone/>
+            </a:pPr>
+            <a:r>
+              <a:rPr lang="zh-TW" altLang="en-US" sz="6400" b="1" dirty="0">
+                <a:solidFill>
+                  <a:srgbClr val="000066"/>
+                </a:solidFill>
                 <a:latin typeface="Microsoft JhengHei" panose="020B0604030504040204" pitchFamily="34" charset="-120"/>
                 <a:ea typeface="Microsoft JhengHei" panose="020B0604030504040204" pitchFamily="34" charset="-120"/>
               </a:rPr>
-              <a:t>我知所信是誰</a:t>
-            </a:r>
-            <a:endParaRPr lang="zh-TW" altLang="en-US" sz="5400" b="1" dirty="0">
+              <a:t>與主的並主託我的</a:t>
+            </a:r>
+          </a:p>
+          <a:p>
+            <a:pPr algn="ctr">
+              <a:buNone/>
+            </a:pPr>
+            <a:r>
+              <a:rPr lang="zh-TW" altLang="en-US" sz="6400" b="1" dirty="0">
+                <a:solidFill>
+                  <a:srgbClr val="000066"/>
+                </a:solidFill>
+                <a:latin typeface="Microsoft JhengHei" panose="020B0604030504040204" pitchFamily="34" charset="-120"/>
+                <a:ea typeface="Microsoft JhengHei" panose="020B0604030504040204" pitchFamily="34" charset="-120"/>
+              </a:rPr>
+              <a:t>都全備直到那日</a:t>
+            </a:r>
+            <a:endParaRPr lang="zh-TW" altLang="en-US" sz="6400" b="1" dirty="0">
+              <a:solidFill>
+                <a:srgbClr val="000066"/>
+              </a:solidFill>
               <a:latin typeface="Microsoft JhengHei" panose="020B0604030504040204" pitchFamily="34" charset="-120"/>
               <a:ea typeface="Microsoft JhengHei" panose="020B0604030504040204" pitchFamily="34" charset="-120"/>
             </a:endParaRPr>
           </a:p>
         </p:txBody>
       </p:sp>
-      <p:sp>
-        <p:nvSpPr>
-          <p:cNvPr id="5" name="內容版面配置區 4"/>
-          <p:cNvSpPr>
-            <a:spLocks noGrp="1"/>
-          </p:cNvSpPr>
-          <p:nvPr>
-            <p:ph idx="1"/>
-          </p:nvPr>
-        </p:nvSpPr>
-        <p:spPr/>
-        <p:txBody>
-          <a:bodyPr>
-            <a:normAutofit/>
-          </a:bodyPr>
-          <a:lstStyle/>
-          <a:p>
-            <a:pPr algn="ctr">
-              <a:buNone/>
-            </a:pPr>
-            <a:r>
-              <a:rPr lang="zh-CN" altLang="en-US" sz="6000" b="1" dirty="0">
-                <a:latin typeface="Microsoft JhengHei" panose="020B0604030504040204" pitchFamily="34" charset="-120"/>
-                <a:ea typeface="Microsoft JhengHei" panose="020B0604030504040204" pitchFamily="34" charset="-120"/>
-              </a:rPr>
-              <a:t>不知我主何時再臨</a:t>
-            </a:r>
-            <a:endParaRPr lang="zh-TW" altLang="en-US" sz="6000" b="1" dirty="0">
-              <a:latin typeface="Microsoft JhengHei" panose="020B0604030504040204" pitchFamily="34" charset="-120"/>
-              <a:ea typeface="Microsoft JhengHei" panose="020B0604030504040204" pitchFamily="34" charset="-120"/>
-            </a:endParaRPr>
-          </a:p>
-          <a:p>
-            <a:pPr algn="ctr">
-              <a:buNone/>
-            </a:pPr>
-            <a:r>
-              <a:rPr lang="zh-TW" altLang="en-US" sz="6000" b="1" dirty="0">
-                <a:latin typeface="Microsoft JhengHei" panose="020B0604030504040204" pitchFamily="34" charset="-120"/>
-                <a:ea typeface="Microsoft JhengHei" panose="020B0604030504040204" pitchFamily="34" charset="-120"/>
-              </a:rPr>
-              <a:t>如何與主相逢</a:t>
-            </a:r>
-          </a:p>
-          <a:p>
-            <a:pPr algn="ctr">
-              <a:buNone/>
-            </a:pPr>
-            <a:r>
-              <a:rPr lang="zh-TW" altLang="en-US" sz="6000" b="1" dirty="0">
-                <a:latin typeface="Microsoft JhengHei" panose="020B0604030504040204" pitchFamily="34" charset="-120"/>
-                <a:ea typeface="Microsoft JhengHei" panose="020B0604030504040204" pitchFamily="34" charset="-120"/>
-              </a:rPr>
-              <a:t>或將經過死蔭幽谷</a:t>
-            </a:r>
-          </a:p>
-          <a:p>
-            <a:pPr algn="ctr">
-              <a:buNone/>
-            </a:pPr>
-            <a:r>
-              <a:rPr lang="zh-CN" altLang="en-US" sz="6000" b="1" dirty="0">
-                <a:latin typeface="Microsoft JhengHei" panose="020B0604030504040204" pitchFamily="34" charset="-120"/>
-                <a:ea typeface="Microsoft JhengHei" panose="020B0604030504040204" pitchFamily="34" charset="-120"/>
-              </a:rPr>
-              <a:t>或遇主於空中</a:t>
-            </a:r>
-            <a:endParaRPr lang="zh-TW" altLang="en-US" sz="6000" b="1" dirty="0">
-              <a:latin typeface="Microsoft JhengHei" panose="020B0604030504040204" pitchFamily="34" charset="-120"/>
-              <a:ea typeface="Microsoft JhengHei" panose="020B0604030504040204" pitchFamily="34" charset="-120"/>
-            </a:endParaRPr>
-          </a:p>
-        </p:txBody>
-      </p:sp>
-      <p:sp>
-        <p:nvSpPr>
-          <p:cNvPr id="6" name="TextBox 5"/>
-          <p:cNvSpPr txBox="1"/>
-          <p:nvPr/>
-        </p:nvSpPr>
-        <p:spPr>
-          <a:xfrm>
-            <a:off x="1559496" y="1600201"/>
-            <a:ext cx="936104" cy="1107996"/>
-          </a:xfrm>
-          <a:prstGeom prst="rect">
-            <a:avLst/>
-          </a:prstGeom>
-          <a:noFill/>
-        </p:spPr>
-        <p:txBody>
-          <a:bodyPr wrap="square" rtlCol="0">
-            <a:spAutoFit/>
-          </a:bodyPr>
-          <a:lstStyle/>
-          <a:p>
-            <a:r>
-              <a:rPr lang="en-US" sz="6600" b="1" dirty="0"/>
-              <a:t>5</a:t>
-            </a:r>
-            <a:r>
-              <a:rPr lang="en-US" sz="6600" b="1" dirty="0" smtClean="0"/>
-              <a:t>.</a:t>
-            </a:r>
-            <a:endParaRPr lang="vi-VN" sz="6600" b="1" dirty="0"/>
-          </a:p>
-        </p:txBody>
-      </p:sp>
     </p:spTree>
+    <p:extLst>
+      <p:ext uri="{BB962C8B-B14F-4D97-AF65-F5344CB8AC3E}">
+        <p14:creationId xmlns:p14="http://schemas.microsoft.com/office/powerpoint/2010/main" val="30053387"/>
+      </p:ext>
+    </p:extLst>
   </p:cSld>
   <p:clrMapOvr>
     <a:masterClrMapping/>
   </p:clrMapOvr>
+  <p:timing>
+    <p:tnLst>
+      <p:par>
+        <p:cTn id="1" dur="indefinite" restart="never" nodeType="tmRoot"/>
+      </p:par>
+    </p:tnLst>
+  </p:timing>
 </p:sld>
 </file>
 
